--- a/doc/viz/viz.pptx
+++ b/doc/viz/viz.pptx
@@ -9,11 +9,13 @@
     <p:sldId id="257" r:id="rId6"/>
     <p:sldId id="258" r:id="rId7"/>
     <p:sldId id="259" r:id="rId8"/>
+    <p:sldId id="260" r:id="rId9"/>
+    <p:sldId id="261" r:id="rId10"/>
   </p:sldIdLst>
   <p:sldSz cx="12192000" cy="6858000"/>
   <p:notesSz cx="6858000" cy="9144000"/>
   <p:custDataLst>
-    <p:tags r:id="rId9"/>
+    <p:tags r:id="rId11"/>
   </p:custDataLst>
   <p:defaultTextStyle>
     <a:defPPr>
@@ -2636,20 +2638,20 @@
     <dgm:cxn modelId="{6D095D32-0676-4909-8AE5-6F57AFE1E842}" srcId="{20073F56-1063-43E3-99CE-7E77063D0E8F}" destId="{C8C6AC23-37AA-4E33-8F72-4BC631B78517}" srcOrd="0" destOrd="0" parTransId="{E576E81C-E4AD-4C7E-8D5E-D4B1D9330AE0}" sibTransId="{A9593850-B9A7-4887-A4DD-570F35C66461}"/>
     <dgm:cxn modelId="{D7222034-E912-466A-9E06-14BBAABD6D81}" srcId="{7427AFC4-6176-4825-95A4-596C078BF492}" destId="{667C86F3-E96F-4FB7-AB1B-4C3BF71DBBB6}" srcOrd="2" destOrd="0" parTransId="{1004958B-605C-49AF-B426-3EC184C8B542}" sibTransId="{230798DD-F022-4804-8F81-1B425B3D7DCA}"/>
     <dgm:cxn modelId="{4F9EAB3D-45E0-4749-A135-F37BC1C2E67F}" srcId="{7427AFC4-6176-4825-95A4-596C078BF492}" destId="{AEAE2342-2D46-44D1-9BE4-1E4F7758D781}" srcOrd="5" destOrd="0" parTransId="{A5C34028-7721-46C6-B1D8-6F3E6F363523}" sibTransId="{F5867EF2-3636-40E0-AF4B-FABEF73F87B4}"/>
+    <dgm:cxn modelId="{2F9AEF5D-8868-467B-BDBA-115F1D43A09D}" type="presOf" srcId="{C8C6AC23-37AA-4E33-8F72-4BC631B78517}" destId="{5BCA02DB-023A-4E85-86F9-573D0EB9C671}" srcOrd="1" destOrd="0" presId="urn:microsoft.com/office/officeart/2008/layout/HalfCircleOrganizationChart"/>
     <dgm:cxn modelId="{99944C42-F34B-4FBD-B6B7-138BD4262B9C}" type="presOf" srcId="{9F46CAA2-273D-4380-9E2D-108789AEED5D}" destId="{0F118039-21C0-4E1C-8CDB-928B8C0644BE}" srcOrd="1" destOrd="0" presId="urn:microsoft.com/office/officeart/2008/layout/HalfCircleOrganizationChart"/>
+    <dgm:cxn modelId="{5611CA65-2676-43CE-AD91-26689307E81B}" type="presOf" srcId="{C8C6AC23-37AA-4E33-8F72-4BC631B78517}" destId="{850A1B13-FCE7-4E3F-A8BB-7C1C9E77A8D3}" srcOrd="0" destOrd="0" presId="urn:microsoft.com/office/officeart/2008/layout/HalfCircleOrganizationChart"/>
+    <dgm:cxn modelId="{98023766-FC20-7B42-BBE8-12C2C20D69A9}" type="presOf" srcId="{3F3CD071-F174-0842-8A72-05A7717A62EF}" destId="{EB5266ED-4D93-A34D-9997-35453731ED44}" srcOrd="0" destOrd="0" presId="urn:microsoft.com/office/officeart/2008/layout/HalfCircleOrganizationChart"/>
     <dgm:cxn modelId="{5018C547-5CD6-47D8-BB5C-83BC233102D1}" srcId="{20073F56-1063-43E3-99CE-7E77063D0E8F}" destId="{9F46CAA2-273D-4380-9E2D-108789AEED5D}" srcOrd="1" destOrd="0" parTransId="{DF250629-BF72-425D-8EAD-8C176411F411}" sibTransId="{CB599831-D062-46F7-A618-5A4BBC5B1355}"/>
     <dgm:cxn modelId="{B9AE5F4A-0777-436C-9B3F-7C3ACAADA93D}" type="presOf" srcId="{B93E5D11-6F44-45E4-A358-D41DB05351BF}" destId="{5E08827F-A34F-403B-A99B-3BE3111735A2}" srcOrd="0" destOrd="0" presId="urn:microsoft.com/office/officeart/2008/layout/HalfCircleOrganizationChart"/>
-    <dgm:cxn modelId="{2F9AEF5D-8868-467B-BDBA-115F1D43A09D}" type="presOf" srcId="{C8C6AC23-37AA-4E33-8F72-4BC631B78517}" destId="{5BCA02DB-023A-4E85-86F9-573D0EB9C671}" srcOrd="1" destOrd="0" presId="urn:microsoft.com/office/officeart/2008/layout/HalfCircleOrganizationChart"/>
-    <dgm:cxn modelId="{5611CA65-2676-43CE-AD91-26689307E81B}" type="presOf" srcId="{C8C6AC23-37AA-4E33-8F72-4BC631B78517}" destId="{850A1B13-FCE7-4E3F-A8BB-7C1C9E77A8D3}" srcOrd="0" destOrd="0" presId="urn:microsoft.com/office/officeart/2008/layout/HalfCircleOrganizationChart"/>
-    <dgm:cxn modelId="{98023766-FC20-7B42-BBE8-12C2C20D69A9}" type="presOf" srcId="{3F3CD071-F174-0842-8A72-05A7717A62EF}" destId="{EB5266ED-4D93-A34D-9997-35453731ED44}" srcOrd="0" destOrd="0" presId="urn:microsoft.com/office/officeart/2008/layout/HalfCircleOrganizationChart"/>
     <dgm:cxn modelId="{E8EB7D75-6A23-4D70-9741-F469973CCC2B}" type="presOf" srcId="{0FF3073E-63CC-4DC1-BAA8-104D6F3A2832}" destId="{860CB8AD-8C92-4DAA-82E6-B3DD0BC3A54C}" srcOrd="1" destOrd="0" presId="urn:microsoft.com/office/officeart/2008/layout/HalfCircleOrganizationChart"/>
     <dgm:cxn modelId="{CFA43D81-0795-4DE7-A5CC-E0E64F9B0C8A}" type="presOf" srcId="{7427AFC4-6176-4825-95A4-596C078BF492}" destId="{28C452B7-0647-4DC9-A1B1-A8D327DB26EC}" srcOrd="1" destOrd="0" presId="urn:microsoft.com/office/officeart/2008/layout/HalfCircleOrganizationChart"/>
     <dgm:cxn modelId="{6F91F385-86F4-4079-81F3-1DE105E4F9BF}" srcId="{AEAE2342-2D46-44D1-9BE4-1E4F7758D781}" destId="{B12BE962-C327-4893-A4B5-858B2C537F03}" srcOrd="0" destOrd="0" parTransId="{A47E056D-904A-4411-824A-E3F78F827CD2}" sibTransId="{AEAB8AA1-4F19-413B-9240-587D18781CB4}"/>
     <dgm:cxn modelId="{7808AD87-7462-43F0-BBED-032FF097CF41}" type="presOf" srcId="{0FF3073E-63CC-4DC1-BAA8-104D6F3A2832}" destId="{6A7A9502-537C-4114-9BFC-9A2EBD525A6D}" srcOrd="0" destOrd="0" presId="urn:microsoft.com/office/officeart/2008/layout/HalfCircleOrganizationChart"/>
     <dgm:cxn modelId="{3DF3EE92-2E8C-B54E-9F5E-2CB6DF26428A}" type="presOf" srcId="{36999EE3-C304-9649-BE16-49B350FA93E5}" destId="{DE1E4C85-9072-3D42-9ACA-0FCC1075CA08}" srcOrd="1" destOrd="0" presId="urn:microsoft.com/office/officeart/2008/layout/HalfCircleOrganizationChart"/>
     <dgm:cxn modelId="{BA3AF996-13B4-44E3-8D17-62F963F69983}" type="presOf" srcId="{20073F56-1063-43E3-99CE-7E77063D0E8F}" destId="{99854BC1-B858-4EA4-B488-CC5E438F3E8C}" srcOrd="1" destOrd="0" presId="urn:microsoft.com/office/officeart/2008/layout/HalfCircleOrganizationChart"/>
+    <dgm:cxn modelId="{352A5D98-26F8-0748-ABEA-421CD9667DDF}" srcId="{8C46398F-A6D6-402A-B40B-6EDEE72DEF5E}" destId="{54817C10-E2EA-7E47-8521-EF648192904F}" srcOrd="0" destOrd="0" parTransId="{3F3CD071-F174-0842-8A72-05A7717A62EF}" sibTransId="{A8F83C51-79DA-874B-91DE-3E2F377CCB13}"/>
     <dgm:cxn modelId="{51574C98-03E6-4B49-BDC9-AC5528F6216E}" type="presOf" srcId="{E576E81C-E4AD-4C7E-8D5E-D4B1D9330AE0}" destId="{BDF3AB7C-F9F0-4669-8838-9608EA781EE8}" srcOrd="0" destOrd="0" presId="urn:microsoft.com/office/officeart/2008/layout/HalfCircleOrganizationChart"/>
-    <dgm:cxn modelId="{352A5D98-26F8-0748-ABEA-421CD9667DDF}" srcId="{8C46398F-A6D6-402A-B40B-6EDEE72DEF5E}" destId="{54817C10-E2EA-7E47-8521-EF648192904F}" srcOrd="0" destOrd="0" parTransId="{3F3CD071-F174-0842-8A72-05A7717A62EF}" sibTransId="{A8F83C51-79DA-874B-91DE-3E2F377CCB13}"/>
     <dgm:cxn modelId="{24F920A4-453F-470F-BB11-B52722D4686D}" type="presOf" srcId="{B12BE962-C327-4893-A4B5-858B2C537F03}" destId="{36FF5672-1FD8-4BFF-B69E-25ECCE46D1D5}" srcOrd="0" destOrd="0" presId="urn:microsoft.com/office/officeart/2008/layout/HalfCircleOrganizationChart"/>
     <dgm:cxn modelId="{66317CB2-1B40-4608-BD99-724D6C59B0A6}" srcId="{7427AFC4-6176-4825-95A4-596C078BF492}" destId="{20073F56-1063-43E3-99CE-7E77063D0E8F}" srcOrd="4" destOrd="0" parTransId="{88AA4DE4-D83D-4E5E-9268-15840D162CCB}" sibTransId="{2D5FA891-F0F7-4E9C-884D-1CEBC8EA1926}"/>
     <dgm:cxn modelId="{DF72A4B7-A9AE-6745-A558-77636757D3DD}" type="presOf" srcId="{54817C10-E2EA-7E47-8521-EF648192904F}" destId="{20D47ABF-1A8E-8043-92C5-9CF6DA28FF95}" srcOrd="0" destOrd="0" presId="urn:microsoft.com/office/officeart/2008/layout/HalfCircleOrganizationChart"/>
@@ -7795,7 +7797,7 @@
           <a:p>
             <a:fld id="{B809A021-C8ED-4A5C-890C-0A045B16B947}" type="datetimeFigureOut">
               <a:rPr lang="de-DE" smtClean="0"/>
-              <a:t>18.02.21</a:t>
+              <a:t>13.03.2021</a:t>
             </a:fld>
             <a:endParaRPr lang="de-DE"/>
           </a:p>
@@ -7993,7 +7995,7 @@
           <a:p>
             <a:fld id="{B809A021-C8ED-4A5C-890C-0A045B16B947}" type="datetimeFigureOut">
               <a:rPr lang="de-DE" smtClean="0"/>
-              <a:t>18.02.21</a:t>
+              <a:t>13.03.2021</a:t>
             </a:fld>
             <a:endParaRPr lang="de-DE"/>
           </a:p>
@@ -8201,7 +8203,7 @@
           <a:p>
             <a:fld id="{B809A021-C8ED-4A5C-890C-0A045B16B947}" type="datetimeFigureOut">
               <a:rPr lang="de-DE" smtClean="0"/>
-              <a:t>18.02.21</a:t>
+              <a:t>13.03.2021</a:t>
             </a:fld>
             <a:endParaRPr lang="de-DE"/>
           </a:p>
@@ -8399,7 +8401,7 @@
           <a:p>
             <a:fld id="{B809A021-C8ED-4A5C-890C-0A045B16B947}" type="datetimeFigureOut">
               <a:rPr lang="de-DE" smtClean="0"/>
-              <a:t>18.02.21</a:t>
+              <a:t>13.03.2021</a:t>
             </a:fld>
             <a:endParaRPr lang="de-DE"/>
           </a:p>
@@ -8674,7 +8676,7 @@
           <a:p>
             <a:fld id="{B809A021-C8ED-4A5C-890C-0A045B16B947}" type="datetimeFigureOut">
               <a:rPr lang="de-DE" smtClean="0"/>
-              <a:t>18.02.21</a:t>
+              <a:t>13.03.2021</a:t>
             </a:fld>
             <a:endParaRPr lang="de-DE"/>
           </a:p>
@@ -8939,7 +8941,7 @@
           <a:p>
             <a:fld id="{B809A021-C8ED-4A5C-890C-0A045B16B947}" type="datetimeFigureOut">
               <a:rPr lang="de-DE" smtClean="0"/>
-              <a:t>18.02.21</a:t>
+              <a:t>13.03.2021</a:t>
             </a:fld>
             <a:endParaRPr lang="de-DE"/>
           </a:p>
@@ -9351,7 +9353,7 @@
           <a:p>
             <a:fld id="{B809A021-C8ED-4A5C-890C-0A045B16B947}" type="datetimeFigureOut">
               <a:rPr lang="de-DE" smtClean="0"/>
-              <a:t>18.02.21</a:t>
+              <a:t>13.03.2021</a:t>
             </a:fld>
             <a:endParaRPr lang="de-DE"/>
           </a:p>
@@ -9492,7 +9494,7 @@
           <a:p>
             <a:fld id="{B809A021-C8ED-4A5C-890C-0A045B16B947}" type="datetimeFigureOut">
               <a:rPr lang="de-DE" smtClean="0"/>
-              <a:t>18.02.21</a:t>
+              <a:t>13.03.2021</a:t>
             </a:fld>
             <a:endParaRPr lang="de-DE"/>
           </a:p>
@@ -9605,7 +9607,7 @@
           <a:p>
             <a:fld id="{B809A021-C8ED-4A5C-890C-0A045B16B947}" type="datetimeFigureOut">
               <a:rPr lang="de-DE" smtClean="0"/>
-              <a:t>18.02.21</a:t>
+              <a:t>13.03.2021</a:t>
             </a:fld>
             <a:endParaRPr lang="de-DE"/>
           </a:p>
@@ -9916,7 +9918,7 @@
           <a:p>
             <a:fld id="{B809A021-C8ED-4A5C-890C-0A045B16B947}" type="datetimeFigureOut">
               <a:rPr lang="de-DE" smtClean="0"/>
-              <a:t>18.02.21</a:t>
+              <a:t>13.03.2021</a:t>
             </a:fld>
             <a:endParaRPr lang="de-DE"/>
           </a:p>
@@ -10204,7 +10206,7 @@
           <a:p>
             <a:fld id="{B809A021-C8ED-4A5C-890C-0A045B16B947}" type="datetimeFigureOut">
               <a:rPr lang="de-DE" smtClean="0"/>
-              <a:t>18.02.21</a:t>
+              <a:t>13.03.2021</a:t>
             </a:fld>
             <a:endParaRPr lang="de-DE"/>
           </a:p>
@@ -10445,7 +10447,7 @@
           <a:p>
             <a:fld id="{B809A021-C8ED-4A5C-890C-0A045B16B947}" type="datetimeFigureOut">
               <a:rPr lang="de-DE" smtClean="0"/>
-              <a:t>18.02.21</a:t>
+              <a:t>13.03.2021</a:t>
             </a:fld>
             <a:endParaRPr lang="de-DE"/>
           </a:p>
@@ -16587,6 +16589,2764 @@
     <p:extLst>
       <p:ext uri="{BB962C8B-B14F-4D97-AF65-F5344CB8AC3E}">
         <p14:creationId xmlns:p14="http://schemas.microsoft.com/office/powerpoint/2010/main" val="1040912148"/>
+      </p:ext>
+    </p:extLst>
+  </p:cSld>
+  <p:clrMapOvr>
+    <a:masterClrMapping/>
+  </p:clrMapOvr>
+</p:sld>
+</file>
+
+<file path=ppt/slides/slide5.xml><?xml version="1.0" encoding="utf-8"?>
+<p:sld xmlns:a="http://schemas.openxmlformats.org/drawingml/2006/main" xmlns:r="http://schemas.openxmlformats.org/officeDocument/2006/relationships" xmlns:p="http://schemas.openxmlformats.org/presentationml/2006/main">
+  <p:cSld>
+    <p:spTree>
+      <p:nvGrpSpPr>
+        <p:cNvPr id="1" name=""/>
+        <p:cNvGrpSpPr/>
+        <p:nvPr/>
+      </p:nvGrpSpPr>
+      <p:grpSpPr>
+        <a:xfrm>
+          <a:off x="0" y="0"/>
+          <a:ext cx="0" cy="0"/>
+          <a:chOff x="0" y="0"/>
+          <a:chExt cx="0" cy="0"/>
+        </a:xfrm>
+      </p:grpSpPr>
+      <p:sp>
+        <p:nvSpPr>
+          <p:cNvPr id="4" name="Ellipse 3">
+            <a:extLst>
+              <a:ext uri="{FF2B5EF4-FFF2-40B4-BE49-F238E27FC236}">
+                <a16:creationId xmlns:a16="http://schemas.microsoft.com/office/drawing/2014/main" id="{41BB7BD4-E9D6-499A-9AB8-D11F3F4FAC34}"/>
+              </a:ext>
+            </a:extLst>
+          </p:cNvPr>
+          <p:cNvSpPr/>
+          <p:nvPr/>
+        </p:nvSpPr>
+        <p:spPr>
+          <a:xfrm>
+            <a:off x="655068" y="302730"/>
+            <a:ext cx="720000" cy="720000"/>
+          </a:xfrm>
+          <a:prstGeom prst="ellipse">
+            <a:avLst/>
+          </a:prstGeom>
+          <a:solidFill>
+            <a:schemeClr val="accent4">
+              <a:lumMod val="60000"/>
+              <a:lumOff val="40000"/>
+            </a:schemeClr>
+          </a:solidFill>
+          <a:ln>
+            <a:solidFill>
+              <a:schemeClr val="bg2">
+                <a:lumMod val="50000"/>
+              </a:schemeClr>
+            </a:solidFill>
+          </a:ln>
+        </p:spPr>
+        <p:style>
+          <a:lnRef idx="1">
+            <a:schemeClr val="accent4"/>
+          </a:lnRef>
+          <a:fillRef idx="2">
+            <a:schemeClr val="accent4"/>
+          </a:fillRef>
+          <a:effectRef idx="1">
+            <a:schemeClr val="accent4"/>
+          </a:effectRef>
+          <a:fontRef idx="minor">
+            <a:schemeClr val="dk1"/>
+          </a:fontRef>
+        </p:style>
+        <p:txBody>
+          <a:bodyPr rtlCol="0" anchor="ctr"/>
+          <a:lstStyle/>
+          <a:p>
+            <a:pPr algn="ctr"/>
+            <a:endParaRPr lang="en-GB"/>
+          </a:p>
+        </p:txBody>
+      </p:sp>
+      <p:sp>
+        <p:nvSpPr>
+          <p:cNvPr id="5" name="Ellipse 4">
+            <a:extLst>
+              <a:ext uri="{FF2B5EF4-FFF2-40B4-BE49-F238E27FC236}">
+                <a16:creationId xmlns:a16="http://schemas.microsoft.com/office/drawing/2014/main" id="{0C81C361-8AC1-4D36-BFF3-B217EED710D9}"/>
+              </a:ext>
+            </a:extLst>
+          </p:cNvPr>
+          <p:cNvSpPr/>
+          <p:nvPr/>
+        </p:nvSpPr>
+        <p:spPr>
+          <a:xfrm>
+            <a:off x="655068" y="1227589"/>
+            <a:ext cx="720000" cy="720000"/>
+          </a:xfrm>
+          <a:prstGeom prst="ellipse">
+            <a:avLst/>
+          </a:prstGeom>
+          <a:solidFill>
+            <a:schemeClr val="accent4">
+              <a:lumMod val="60000"/>
+              <a:lumOff val="40000"/>
+            </a:schemeClr>
+          </a:solidFill>
+          <a:ln>
+            <a:solidFill>
+              <a:schemeClr val="bg2">
+                <a:lumMod val="50000"/>
+              </a:schemeClr>
+            </a:solidFill>
+          </a:ln>
+        </p:spPr>
+        <p:style>
+          <a:lnRef idx="1">
+            <a:schemeClr val="accent4"/>
+          </a:lnRef>
+          <a:fillRef idx="2">
+            <a:schemeClr val="accent4"/>
+          </a:fillRef>
+          <a:effectRef idx="1">
+            <a:schemeClr val="accent4"/>
+          </a:effectRef>
+          <a:fontRef idx="minor">
+            <a:schemeClr val="dk1"/>
+          </a:fontRef>
+        </p:style>
+        <p:txBody>
+          <a:bodyPr rtlCol="0" anchor="ctr"/>
+          <a:lstStyle/>
+          <a:p>
+            <a:pPr algn="ctr"/>
+            <a:endParaRPr lang="en-GB"/>
+          </a:p>
+        </p:txBody>
+      </p:sp>
+      <p:sp>
+        <p:nvSpPr>
+          <p:cNvPr id="6" name="Ellipse 5">
+            <a:extLst>
+              <a:ext uri="{FF2B5EF4-FFF2-40B4-BE49-F238E27FC236}">
+                <a16:creationId xmlns:a16="http://schemas.microsoft.com/office/drawing/2014/main" id="{C28D2062-EF4A-4C81-B27D-FF4D4C7E204D}"/>
+              </a:ext>
+            </a:extLst>
+          </p:cNvPr>
+          <p:cNvSpPr/>
+          <p:nvPr/>
+        </p:nvSpPr>
+        <p:spPr>
+          <a:xfrm>
+            <a:off x="2267152" y="765160"/>
+            <a:ext cx="720000" cy="720000"/>
+          </a:xfrm>
+          <a:prstGeom prst="ellipse">
+            <a:avLst/>
+          </a:prstGeom>
+          <a:solidFill>
+            <a:schemeClr val="accent2">
+              <a:lumMod val="60000"/>
+              <a:lumOff val="40000"/>
+            </a:schemeClr>
+          </a:solidFill>
+          <a:ln>
+            <a:solidFill>
+              <a:schemeClr val="bg2">
+                <a:lumMod val="50000"/>
+              </a:schemeClr>
+            </a:solidFill>
+          </a:ln>
+        </p:spPr>
+        <p:style>
+          <a:lnRef idx="1">
+            <a:schemeClr val="accent2"/>
+          </a:lnRef>
+          <a:fillRef idx="2">
+            <a:schemeClr val="accent2"/>
+          </a:fillRef>
+          <a:effectRef idx="1">
+            <a:schemeClr val="accent2"/>
+          </a:effectRef>
+          <a:fontRef idx="minor">
+            <a:schemeClr val="dk1"/>
+          </a:fontRef>
+        </p:style>
+        <p:txBody>
+          <a:bodyPr rtlCol="0" anchor="ctr"/>
+          <a:lstStyle/>
+          <a:p>
+            <a:pPr algn="ctr"/>
+            <a:endParaRPr lang="en-GB"/>
+          </a:p>
+        </p:txBody>
+      </p:sp>
+      <p:cxnSp>
+        <p:nvCxnSpPr>
+          <p:cNvPr id="9" name="Gerade Verbindung mit Pfeil 8">
+            <a:extLst>
+              <a:ext uri="{FF2B5EF4-FFF2-40B4-BE49-F238E27FC236}">
+                <a16:creationId xmlns:a16="http://schemas.microsoft.com/office/drawing/2014/main" id="{E5C1060C-4975-437A-BED5-81E7AA54A437}"/>
+              </a:ext>
+            </a:extLst>
+          </p:cNvPr>
+          <p:cNvCxnSpPr>
+            <a:stCxn id="4" idx="6"/>
+            <a:endCxn id="6" idx="2"/>
+          </p:cNvCxnSpPr>
+          <p:nvPr/>
+        </p:nvCxnSpPr>
+        <p:spPr>
+          <a:xfrm>
+            <a:off x="1375068" y="662730"/>
+            <a:ext cx="892084" cy="462430"/>
+          </a:xfrm>
+          <a:prstGeom prst="straightConnector1">
+            <a:avLst/>
+          </a:prstGeom>
+          <a:ln w="38100">
+            <a:solidFill>
+              <a:schemeClr val="bg2">
+                <a:lumMod val="50000"/>
+              </a:schemeClr>
+            </a:solidFill>
+            <a:tailEnd type="triangle"/>
+          </a:ln>
+        </p:spPr>
+        <p:style>
+          <a:lnRef idx="3">
+            <a:schemeClr val="dk1"/>
+          </a:lnRef>
+          <a:fillRef idx="0">
+            <a:schemeClr val="dk1"/>
+          </a:fillRef>
+          <a:effectRef idx="2">
+            <a:schemeClr val="dk1"/>
+          </a:effectRef>
+          <a:fontRef idx="minor">
+            <a:schemeClr val="tx1"/>
+          </a:fontRef>
+        </p:style>
+      </p:cxnSp>
+      <p:cxnSp>
+        <p:nvCxnSpPr>
+          <p:cNvPr id="10" name="Gerade Verbindung mit Pfeil 9">
+            <a:extLst>
+              <a:ext uri="{FF2B5EF4-FFF2-40B4-BE49-F238E27FC236}">
+                <a16:creationId xmlns:a16="http://schemas.microsoft.com/office/drawing/2014/main" id="{6E16EA49-83C0-4E20-99B4-BCD52697B304}"/>
+              </a:ext>
+            </a:extLst>
+          </p:cNvPr>
+          <p:cNvCxnSpPr>
+            <a:cxnSpLocks/>
+            <a:stCxn id="5" idx="6"/>
+            <a:endCxn id="6" idx="2"/>
+          </p:cNvCxnSpPr>
+          <p:nvPr/>
+        </p:nvCxnSpPr>
+        <p:spPr>
+          <a:xfrm flipV="1">
+            <a:off x="1375068" y="1125160"/>
+            <a:ext cx="892084" cy="462429"/>
+          </a:xfrm>
+          <a:prstGeom prst="straightConnector1">
+            <a:avLst/>
+          </a:prstGeom>
+          <a:ln w="38100">
+            <a:solidFill>
+              <a:schemeClr val="bg2">
+                <a:lumMod val="50000"/>
+              </a:schemeClr>
+            </a:solidFill>
+            <a:tailEnd type="triangle"/>
+          </a:ln>
+        </p:spPr>
+        <p:style>
+          <a:lnRef idx="3">
+            <a:schemeClr val="dk1"/>
+          </a:lnRef>
+          <a:fillRef idx="0">
+            <a:schemeClr val="dk1"/>
+          </a:fillRef>
+          <a:effectRef idx="2">
+            <a:schemeClr val="dk1"/>
+          </a:effectRef>
+          <a:fontRef idx="minor">
+            <a:schemeClr val="tx1"/>
+          </a:fontRef>
+        </p:style>
+      </p:cxnSp>
+      <p:sp>
+        <p:nvSpPr>
+          <p:cNvPr id="15" name="Ellipse 14">
+            <a:extLst>
+              <a:ext uri="{FF2B5EF4-FFF2-40B4-BE49-F238E27FC236}">
+                <a16:creationId xmlns:a16="http://schemas.microsoft.com/office/drawing/2014/main" id="{4869E3EF-2DA4-4A4E-813F-83918C824F9E}"/>
+              </a:ext>
+            </a:extLst>
+          </p:cNvPr>
+          <p:cNvSpPr/>
+          <p:nvPr/>
+        </p:nvSpPr>
+        <p:spPr>
+          <a:xfrm>
+            <a:off x="3879236" y="302730"/>
+            <a:ext cx="720000" cy="720000"/>
+          </a:xfrm>
+          <a:prstGeom prst="ellipse">
+            <a:avLst/>
+          </a:prstGeom>
+          <a:solidFill>
+            <a:schemeClr val="accent4">
+              <a:lumMod val="60000"/>
+              <a:lumOff val="40000"/>
+            </a:schemeClr>
+          </a:solidFill>
+          <a:ln>
+            <a:solidFill>
+              <a:schemeClr val="bg2">
+                <a:lumMod val="50000"/>
+              </a:schemeClr>
+            </a:solidFill>
+          </a:ln>
+        </p:spPr>
+        <p:style>
+          <a:lnRef idx="1">
+            <a:schemeClr val="accent4"/>
+          </a:lnRef>
+          <a:fillRef idx="2">
+            <a:schemeClr val="accent4"/>
+          </a:fillRef>
+          <a:effectRef idx="1">
+            <a:schemeClr val="accent4"/>
+          </a:effectRef>
+          <a:fontRef idx="minor">
+            <a:schemeClr val="dk1"/>
+          </a:fontRef>
+        </p:style>
+        <p:txBody>
+          <a:bodyPr rtlCol="0" anchor="ctr"/>
+          <a:lstStyle/>
+          <a:p>
+            <a:pPr algn="ctr"/>
+            <a:endParaRPr lang="en-GB"/>
+          </a:p>
+        </p:txBody>
+      </p:sp>
+      <p:sp>
+        <p:nvSpPr>
+          <p:cNvPr id="16" name="Ellipse 15">
+            <a:extLst>
+              <a:ext uri="{FF2B5EF4-FFF2-40B4-BE49-F238E27FC236}">
+                <a16:creationId xmlns:a16="http://schemas.microsoft.com/office/drawing/2014/main" id="{4497623F-9AA4-4738-BBEC-9E67BD548955}"/>
+              </a:ext>
+            </a:extLst>
+          </p:cNvPr>
+          <p:cNvSpPr/>
+          <p:nvPr/>
+        </p:nvSpPr>
+        <p:spPr>
+          <a:xfrm>
+            <a:off x="3879236" y="1227589"/>
+            <a:ext cx="720000" cy="720000"/>
+          </a:xfrm>
+          <a:prstGeom prst="ellipse">
+            <a:avLst/>
+          </a:prstGeom>
+          <a:solidFill>
+            <a:schemeClr val="accent4">
+              <a:lumMod val="60000"/>
+              <a:lumOff val="40000"/>
+            </a:schemeClr>
+          </a:solidFill>
+          <a:ln>
+            <a:solidFill>
+              <a:schemeClr val="bg2">
+                <a:lumMod val="50000"/>
+              </a:schemeClr>
+            </a:solidFill>
+          </a:ln>
+        </p:spPr>
+        <p:style>
+          <a:lnRef idx="1">
+            <a:schemeClr val="accent4"/>
+          </a:lnRef>
+          <a:fillRef idx="2">
+            <a:schemeClr val="accent4"/>
+          </a:fillRef>
+          <a:effectRef idx="1">
+            <a:schemeClr val="accent4"/>
+          </a:effectRef>
+          <a:fontRef idx="minor">
+            <a:schemeClr val="dk1"/>
+          </a:fontRef>
+        </p:style>
+        <p:txBody>
+          <a:bodyPr rtlCol="0" anchor="ctr"/>
+          <a:lstStyle/>
+          <a:p>
+            <a:pPr algn="ctr"/>
+            <a:endParaRPr lang="en-GB"/>
+          </a:p>
+        </p:txBody>
+      </p:sp>
+      <p:sp>
+        <p:nvSpPr>
+          <p:cNvPr id="17" name="Ellipse 16">
+            <a:extLst>
+              <a:ext uri="{FF2B5EF4-FFF2-40B4-BE49-F238E27FC236}">
+                <a16:creationId xmlns:a16="http://schemas.microsoft.com/office/drawing/2014/main" id="{729A97EB-502A-4201-A20E-D3FE40C06B3C}"/>
+              </a:ext>
+            </a:extLst>
+          </p:cNvPr>
+          <p:cNvSpPr/>
+          <p:nvPr/>
+        </p:nvSpPr>
+        <p:spPr>
+          <a:xfrm>
+            <a:off x="3879236" y="2152448"/>
+            <a:ext cx="720000" cy="720000"/>
+          </a:xfrm>
+          <a:prstGeom prst="ellipse">
+            <a:avLst/>
+          </a:prstGeom>
+          <a:solidFill>
+            <a:schemeClr val="accent4">
+              <a:lumMod val="60000"/>
+              <a:lumOff val="40000"/>
+            </a:schemeClr>
+          </a:solidFill>
+          <a:ln>
+            <a:solidFill>
+              <a:schemeClr val="bg2">
+                <a:lumMod val="50000"/>
+              </a:schemeClr>
+            </a:solidFill>
+          </a:ln>
+        </p:spPr>
+        <p:style>
+          <a:lnRef idx="1">
+            <a:schemeClr val="accent4"/>
+          </a:lnRef>
+          <a:fillRef idx="2">
+            <a:schemeClr val="accent4"/>
+          </a:fillRef>
+          <a:effectRef idx="1">
+            <a:schemeClr val="accent4"/>
+          </a:effectRef>
+          <a:fontRef idx="minor">
+            <a:schemeClr val="dk1"/>
+          </a:fontRef>
+        </p:style>
+        <p:txBody>
+          <a:bodyPr rtlCol="0" anchor="ctr"/>
+          <a:lstStyle/>
+          <a:p>
+            <a:pPr algn="ctr"/>
+            <a:endParaRPr lang="en-GB"/>
+          </a:p>
+        </p:txBody>
+      </p:sp>
+      <p:sp>
+        <p:nvSpPr>
+          <p:cNvPr id="18" name="Ellipse 17">
+            <a:extLst>
+              <a:ext uri="{FF2B5EF4-FFF2-40B4-BE49-F238E27FC236}">
+                <a16:creationId xmlns:a16="http://schemas.microsoft.com/office/drawing/2014/main" id="{1DB18149-F034-4A6B-B0C2-C7E291C2C910}"/>
+              </a:ext>
+            </a:extLst>
+          </p:cNvPr>
+          <p:cNvSpPr/>
+          <p:nvPr/>
+        </p:nvSpPr>
+        <p:spPr>
+          <a:xfrm>
+            <a:off x="3879236" y="3077307"/>
+            <a:ext cx="720000" cy="720000"/>
+          </a:xfrm>
+          <a:prstGeom prst="ellipse">
+            <a:avLst/>
+          </a:prstGeom>
+          <a:solidFill>
+            <a:schemeClr val="accent4">
+              <a:lumMod val="60000"/>
+              <a:lumOff val="40000"/>
+            </a:schemeClr>
+          </a:solidFill>
+          <a:ln>
+            <a:solidFill>
+              <a:schemeClr val="bg2">
+                <a:lumMod val="50000"/>
+              </a:schemeClr>
+            </a:solidFill>
+          </a:ln>
+        </p:spPr>
+        <p:style>
+          <a:lnRef idx="1">
+            <a:schemeClr val="accent4"/>
+          </a:lnRef>
+          <a:fillRef idx="2">
+            <a:schemeClr val="accent4"/>
+          </a:fillRef>
+          <a:effectRef idx="1">
+            <a:schemeClr val="accent4"/>
+          </a:effectRef>
+          <a:fontRef idx="minor">
+            <a:schemeClr val="dk1"/>
+          </a:fontRef>
+        </p:style>
+        <p:txBody>
+          <a:bodyPr rtlCol="0" anchor="ctr"/>
+          <a:lstStyle/>
+          <a:p>
+            <a:pPr algn="ctr"/>
+            <a:endParaRPr lang="en-GB"/>
+          </a:p>
+        </p:txBody>
+      </p:sp>
+      <p:sp>
+        <p:nvSpPr>
+          <p:cNvPr id="19" name="Ellipse 18">
+            <a:extLst>
+              <a:ext uri="{FF2B5EF4-FFF2-40B4-BE49-F238E27FC236}">
+                <a16:creationId xmlns:a16="http://schemas.microsoft.com/office/drawing/2014/main" id="{247AEC48-EF10-438F-B7B0-13ED40A5C538}"/>
+              </a:ext>
+            </a:extLst>
+          </p:cNvPr>
+          <p:cNvSpPr/>
+          <p:nvPr/>
+        </p:nvSpPr>
+        <p:spPr>
+          <a:xfrm>
+            <a:off x="5322142" y="1227589"/>
+            <a:ext cx="720000" cy="720000"/>
+          </a:xfrm>
+          <a:prstGeom prst="ellipse">
+            <a:avLst/>
+          </a:prstGeom>
+          <a:solidFill>
+            <a:schemeClr val="accent5">
+              <a:lumMod val="60000"/>
+              <a:lumOff val="40000"/>
+            </a:schemeClr>
+          </a:solidFill>
+          <a:ln>
+            <a:solidFill>
+              <a:schemeClr val="bg2">
+                <a:lumMod val="50000"/>
+              </a:schemeClr>
+            </a:solidFill>
+          </a:ln>
+        </p:spPr>
+        <p:style>
+          <a:lnRef idx="1">
+            <a:schemeClr val="accent5"/>
+          </a:lnRef>
+          <a:fillRef idx="2">
+            <a:schemeClr val="accent5"/>
+          </a:fillRef>
+          <a:effectRef idx="1">
+            <a:schemeClr val="accent5"/>
+          </a:effectRef>
+          <a:fontRef idx="minor">
+            <a:schemeClr val="dk1"/>
+          </a:fontRef>
+        </p:style>
+        <p:txBody>
+          <a:bodyPr rtlCol="0" anchor="ctr"/>
+          <a:lstStyle/>
+          <a:p>
+            <a:pPr algn="ctr"/>
+            <a:endParaRPr lang="en-GB"/>
+          </a:p>
+        </p:txBody>
+      </p:sp>
+      <p:sp>
+        <p:nvSpPr>
+          <p:cNvPr id="20" name="Ellipse 19">
+            <a:extLst>
+              <a:ext uri="{FF2B5EF4-FFF2-40B4-BE49-F238E27FC236}">
+                <a16:creationId xmlns:a16="http://schemas.microsoft.com/office/drawing/2014/main" id="{A227E7F3-2F67-4747-8AA0-629A59E22E69}"/>
+              </a:ext>
+            </a:extLst>
+          </p:cNvPr>
+          <p:cNvSpPr/>
+          <p:nvPr/>
+        </p:nvSpPr>
+        <p:spPr>
+          <a:xfrm>
+            <a:off x="5322142" y="2152448"/>
+            <a:ext cx="720000" cy="720000"/>
+          </a:xfrm>
+          <a:prstGeom prst="ellipse">
+            <a:avLst/>
+          </a:prstGeom>
+          <a:solidFill>
+            <a:schemeClr val="accent5">
+              <a:lumMod val="60000"/>
+              <a:lumOff val="40000"/>
+            </a:schemeClr>
+          </a:solidFill>
+          <a:ln>
+            <a:solidFill>
+              <a:schemeClr val="bg2">
+                <a:lumMod val="50000"/>
+              </a:schemeClr>
+            </a:solidFill>
+          </a:ln>
+        </p:spPr>
+        <p:style>
+          <a:lnRef idx="1">
+            <a:schemeClr val="accent5"/>
+          </a:lnRef>
+          <a:fillRef idx="2">
+            <a:schemeClr val="accent5"/>
+          </a:fillRef>
+          <a:effectRef idx="1">
+            <a:schemeClr val="accent5"/>
+          </a:effectRef>
+          <a:fontRef idx="minor">
+            <a:schemeClr val="dk1"/>
+          </a:fontRef>
+        </p:style>
+        <p:txBody>
+          <a:bodyPr rtlCol="0" anchor="ctr"/>
+          <a:lstStyle/>
+          <a:p>
+            <a:pPr algn="ctr"/>
+            <a:endParaRPr lang="en-GB">
+              <a:solidFill>
+                <a:schemeClr val="dk1"/>
+              </a:solidFill>
+            </a:endParaRPr>
+          </a:p>
+        </p:txBody>
+      </p:sp>
+      <p:cxnSp>
+        <p:nvCxnSpPr>
+          <p:cNvPr id="21" name="Gerade Verbindung mit Pfeil 20">
+            <a:extLst>
+              <a:ext uri="{FF2B5EF4-FFF2-40B4-BE49-F238E27FC236}">
+                <a16:creationId xmlns:a16="http://schemas.microsoft.com/office/drawing/2014/main" id="{65A6D38B-4E7A-4D26-B795-27EA5BAC6791}"/>
+              </a:ext>
+            </a:extLst>
+          </p:cNvPr>
+          <p:cNvCxnSpPr>
+            <a:cxnSpLocks/>
+            <a:stCxn id="15" idx="6"/>
+            <a:endCxn id="19" idx="2"/>
+          </p:cNvCxnSpPr>
+          <p:nvPr/>
+        </p:nvCxnSpPr>
+        <p:spPr>
+          <a:xfrm>
+            <a:off x="4599236" y="662730"/>
+            <a:ext cx="722906" cy="924859"/>
+          </a:xfrm>
+          <a:prstGeom prst="straightConnector1">
+            <a:avLst/>
+          </a:prstGeom>
+          <a:ln w="38100">
+            <a:solidFill>
+              <a:schemeClr val="bg2">
+                <a:lumMod val="50000"/>
+              </a:schemeClr>
+            </a:solidFill>
+            <a:tailEnd type="triangle"/>
+          </a:ln>
+        </p:spPr>
+        <p:style>
+          <a:lnRef idx="3">
+            <a:schemeClr val="dk1"/>
+          </a:lnRef>
+          <a:fillRef idx="0">
+            <a:schemeClr val="dk1"/>
+          </a:fillRef>
+          <a:effectRef idx="2">
+            <a:schemeClr val="dk1"/>
+          </a:effectRef>
+          <a:fontRef idx="minor">
+            <a:schemeClr val="tx1"/>
+          </a:fontRef>
+        </p:style>
+      </p:cxnSp>
+      <p:cxnSp>
+        <p:nvCxnSpPr>
+          <p:cNvPr id="24" name="Gerade Verbindung mit Pfeil 23">
+            <a:extLst>
+              <a:ext uri="{FF2B5EF4-FFF2-40B4-BE49-F238E27FC236}">
+                <a16:creationId xmlns:a16="http://schemas.microsoft.com/office/drawing/2014/main" id="{BDEAC338-F6D1-424D-99B3-F2B181F8006E}"/>
+              </a:ext>
+            </a:extLst>
+          </p:cNvPr>
+          <p:cNvCxnSpPr>
+            <a:cxnSpLocks/>
+            <a:stCxn id="16" idx="6"/>
+            <a:endCxn id="19" idx="2"/>
+          </p:cNvCxnSpPr>
+          <p:nvPr/>
+        </p:nvCxnSpPr>
+        <p:spPr>
+          <a:xfrm>
+            <a:off x="4599236" y="1587589"/>
+            <a:ext cx="722906" cy="0"/>
+          </a:xfrm>
+          <a:prstGeom prst="straightConnector1">
+            <a:avLst/>
+          </a:prstGeom>
+          <a:ln w="38100">
+            <a:solidFill>
+              <a:schemeClr val="bg2">
+                <a:lumMod val="50000"/>
+              </a:schemeClr>
+            </a:solidFill>
+            <a:tailEnd type="triangle"/>
+          </a:ln>
+        </p:spPr>
+        <p:style>
+          <a:lnRef idx="3">
+            <a:schemeClr val="dk1"/>
+          </a:lnRef>
+          <a:fillRef idx="0">
+            <a:schemeClr val="dk1"/>
+          </a:fillRef>
+          <a:effectRef idx="2">
+            <a:schemeClr val="dk1"/>
+          </a:effectRef>
+          <a:fontRef idx="minor">
+            <a:schemeClr val="tx1"/>
+          </a:fontRef>
+        </p:style>
+      </p:cxnSp>
+      <p:cxnSp>
+        <p:nvCxnSpPr>
+          <p:cNvPr id="27" name="Gerade Verbindung mit Pfeil 26">
+            <a:extLst>
+              <a:ext uri="{FF2B5EF4-FFF2-40B4-BE49-F238E27FC236}">
+                <a16:creationId xmlns:a16="http://schemas.microsoft.com/office/drawing/2014/main" id="{9AC44CC6-2D1D-45D5-9E15-919B8758DC08}"/>
+              </a:ext>
+            </a:extLst>
+          </p:cNvPr>
+          <p:cNvCxnSpPr>
+            <a:cxnSpLocks/>
+            <a:stCxn id="17" idx="6"/>
+            <a:endCxn id="20" idx="2"/>
+          </p:cNvCxnSpPr>
+          <p:nvPr/>
+        </p:nvCxnSpPr>
+        <p:spPr>
+          <a:xfrm>
+            <a:off x="4599236" y="2512448"/>
+            <a:ext cx="722906" cy="0"/>
+          </a:xfrm>
+          <a:prstGeom prst="straightConnector1">
+            <a:avLst/>
+          </a:prstGeom>
+          <a:ln w="38100">
+            <a:solidFill>
+              <a:schemeClr val="bg2">
+                <a:lumMod val="50000"/>
+              </a:schemeClr>
+            </a:solidFill>
+            <a:tailEnd type="triangle"/>
+          </a:ln>
+        </p:spPr>
+        <p:style>
+          <a:lnRef idx="3">
+            <a:schemeClr val="dk1"/>
+          </a:lnRef>
+          <a:fillRef idx="0">
+            <a:schemeClr val="dk1"/>
+          </a:fillRef>
+          <a:effectRef idx="2">
+            <a:schemeClr val="dk1"/>
+          </a:effectRef>
+          <a:fontRef idx="minor">
+            <a:schemeClr val="tx1"/>
+          </a:fontRef>
+        </p:style>
+      </p:cxnSp>
+      <p:cxnSp>
+        <p:nvCxnSpPr>
+          <p:cNvPr id="30" name="Gerade Verbindung mit Pfeil 29">
+            <a:extLst>
+              <a:ext uri="{FF2B5EF4-FFF2-40B4-BE49-F238E27FC236}">
+                <a16:creationId xmlns:a16="http://schemas.microsoft.com/office/drawing/2014/main" id="{D2C5CE00-460A-4A3D-8558-2C2401911CEF}"/>
+              </a:ext>
+            </a:extLst>
+          </p:cNvPr>
+          <p:cNvCxnSpPr>
+            <a:cxnSpLocks/>
+            <a:stCxn id="18" idx="6"/>
+            <a:endCxn id="20" idx="2"/>
+          </p:cNvCxnSpPr>
+          <p:nvPr/>
+        </p:nvCxnSpPr>
+        <p:spPr>
+          <a:xfrm flipV="1">
+            <a:off x="4599236" y="2512448"/>
+            <a:ext cx="722906" cy="924859"/>
+          </a:xfrm>
+          <a:prstGeom prst="straightConnector1">
+            <a:avLst/>
+          </a:prstGeom>
+          <a:ln w="38100">
+            <a:solidFill>
+              <a:schemeClr val="bg2">
+                <a:lumMod val="50000"/>
+              </a:schemeClr>
+            </a:solidFill>
+            <a:tailEnd type="triangle"/>
+          </a:ln>
+        </p:spPr>
+        <p:style>
+          <a:lnRef idx="3">
+            <a:schemeClr val="dk1"/>
+          </a:lnRef>
+          <a:fillRef idx="0">
+            <a:schemeClr val="dk1"/>
+          </a:fillRef>
+          <a:effectRef idx="2">
+            <a:schemeClr val="dk1"/>
+          </a:effectRef>
+          <a:fontRef idx="minor">
+            <a:schemeClr val="tx1"/>
+          </a:fontRef>
+        </p:style>
+      </p:cxnSp>
+      <p:cxnSp>
+        <p:nvCxnSpPr>
+          <p:cNvPr id="33" name="Gerade Verbindung mit Pfeil 32">
+            <a:extLst>
+              <a:ext uri="{FF2B5EF4-FFF2-40B4-BE49-F238E27FC236}">
+                <a16:creationId xmlns:a16="http://schemas.microsoft.com/office/drawing/2014/main" id="{6DE8807F-9D4E-4E99-897E-27E7FEDD0A38}"/>
+              </a:ext>
+            </a:extLst>
+          </p:cNvPr>
+          <p:cNvCxnSpPr>
+            <a:cxnSpLocks/>
+            <a:stCxn id="15" idx="6"/>
+            <a:endCxn id="20" idx="2"/>
+          </p:cNvCxnSpPr>
+          <p:nvPr/>
+        </p:nvCxnSpPr>
+        <p:spPr>
+          <a:xfrm>
+            <a:off x="4599236" y="662730"/>
+            <a:ext cx="722906" cy="1849718"/>
+          </a:xfrm>
+          <a:prstGeom prst="straightConnector1">
+            <a:avLst/>
+          </a:prstGeom>
+          <a:ln w="38100">
+            <a:solidFill>
+              <a:schemeClr val="bg2">
+                <a:lumMod val="50000"/>
+              </a:schemeClr>
+            </a:solidFill>
+            <a:tailEnd type="triangle"/>
+          </a:ln>
+        </p:spPr>
+        <p:style>
+          <a:lnRef idx="3">
+            <a:schemeClr val="dk1"/>
+          </a:lnRef>
+          <a:fillRef idx="0">
+            <a:schemeClr val="dk1"/>
+          </a:fillRef>
+          <a:effectRef idx="2">
+            <a:schemeClr val="dk1"/>
+          </a:effectRef>
+          <a:fontRef idx="minor">
+            <a:schemeClr val="tx1"/>
+          </a:fontRef>
+        </p:style>
+      </p:cxnSp>
+      <p:cxnSp>
+        <p:nvCxnSpPr>
+          <p:cNvPr id="36" name="Gerade Verbindung mit Pfeil 35">
+            <a:extLst>
+              <a:ext uri="{FF2B5EF4-FFF2-40B4-BE49-F238E27FC236}">
+                <a16:creationId xmlns:a16="http://schemas.microsoft.com/office/drawing/2014/main" id="{5C235F3E-D29C-4D50-971D-A776D0E3E4B4}"/>
+              </a:ext>
+            </a:extLst>
+          </p:cNvPr>
+          <p:cNvCxnSpPr>
+            <a:cxnSpLocks/>
+            <a:stCxn id="16" idx="6"/>
+            <a:endCxn id="20" idx="2"/>
+          </p:cNvCxnSpPr>
+          <p:nvPr/>
+        </p:nvCxnSpPr>
+        <p:spPr>
+          <a:xfrm>
+            <a:off x="4599236" y="1587589"/>
+            <a:ext cx="722906" cy="924859"/>
+          </a:xfrm>
+          <a:prstGeom prst="straightConnector1">
+            <a:avLst/>
+          </a:prstGeom>
+          <a:ln w="38100">
+            <a:solidFill>
+              <a:schemeClr val="bg2">
+                <a:lumMod val="50000"/>
+              </a:schemeClr>
+            </a:solidFill>
+            <a:tailEnd type="triangle"/>
+          </a:ln>
+        </p:spPr>
+        <p:style>
+          <a:lnRef idx="3">
+            <a:schemeClr val="dk1"/>
+          </a:lnRef>
+          <a:fillRef idx="0">
+            <a:schemeClr val="dk1"/>
+          </a:fillRef>
+          <a:effectRef idx="2">
+            <a:schemeClr val="dk1"/>
+          </a:effectRef>
+          <a:fontRef idx="minor">
+            <a:schemeClr val="tx1"/>
+          </a:fontRef>
+        </p:style>
+      </p:cxnSp>
+      <p:cxnSp>
+        <p:nvCxnSpPr>
+          <p:cNvPr id="39" name="Gerade Verbindung mit Pfeil 38">
+            <a:extLst>
+              <a:ext uri="{FF2B5EF4-FFF2-40B4-BE49-F238E27FC236}">
+                <a16:creationId xmlns:a16="http://schemas.microsoft.com/office/drawing/2014/main" id="{549D6BE1-76AB-4000-A3FA-E77C5FBA44C6}"/>
+              </a:ext>
+            </a:extLst>
+          </p:cNvPr>
+          <p:cNvCxnSpPr>
+            <a:cxnSpLocks/>
+            <a:stCxn id="17" idx="6"/>
+            <a:endCxn id="19" idx="2"/>
+          </p:cNvCxnSpPr>
+          <p:nvPr/>
+        </p:nvCxnSpPr>
+        <p:spPr>
+          <a:xfrm flipV="1">
+            <a:off x="4599236" y="1587589"/>
+            <a:ext cx="722906" cy="924859"/>
+          </a:xfrm>
+          <a:prstGeom prst="straightConnector1">
+            <a:avLst/>
+          </a:prstGeom>
+          <a:ln w="38100">
+            <a:solidFill>
+              <a:schemeClr val="bg2">
+                <a:lumMod val="50000"/>
+              </a:schemeClr>
+            </a:solidFill>
+            <a:tailEnd type="triangle"/>
+          </a:ln>
+        </p:spPr>
+        <p:style>
+          <a:lnRef idx="3">
+            <a:schemeClr val="dk1"/>
+          </a:lnRef>
+          <a:fillRef idx="0">
+            <a:schemeClr val="dk1"/>
+          </a:fillRef>
+          <a:effectRef idx="2">
+            <a:schemeClr val="dk1"/>
+          </a:effectRef>
+          <a:fontRef idx="minor">
+            <a:schemeClr val="tx1"/>
+          </a:fontRef>
+        </p:style>
+      </p:cxnSp>
+      <p:cxnSp>
+        <p:nvCxnSpPr>
+          <p:cNvPr id="42" name="Gerade Verbindung mit Pfeil 41">
+            <a:extLst>
+              <a:ext uri="{FF2B5EF4-FFF2-40B4-BE49-F238E27FC236}">
+                <a16:creationId xmlns:a16="http://schemas.microsoft.com/office/drawing/2014/main" id="{91B75A65-9B35-4082-90C5-1D2433C908AC}"/>
+              </a:ext>
+            </a:extLst>
+          </p:cNvPr>
+          <p:cNvCxnSpPr>
+            <a:cxnSpLocks/>
+            <a:stCxn id="18" idx="6"/>
+            <a:endCxn id="19" idx="2"/>
+          </p:cNvCxnSpPr>
+          <p:nvPr/>
+        </p:nvCxnSpPr>
+        <p:spPr>
+          <a:xfrm flipV="1">
+            <a:off x="4599236" y="1587589"/>
+            <a:ext cx="722906" cy="1849718"/>
+          </a:xfrm>
+          <a:prstGeom prst="straightConnector1">
+            <a:avLst/>
+          </a:prstGeom>
+          <a:ln w="38100">
+            <a:solidFill>
+              <a:schemeClr val="bg2">
+                <a:lumMod val="50000"/>
+              </a:schemeClr>
+            </a:solidFill>
+            <a:tailEnd type="triangle"/>
+          </a:ln>
+        </p:spPr>
+        <p:style>
+          <a:lnRef idx="3">
+            <a:schemeClr val="dk1"/>
+          </a:lnRef>
+          <a:fillRef idx="0">
+            <a:schemeClr val="dk1"/>
+          </a:fillRef>
+          <a:effectRef idx="2">
+            <a:schemeClr val="dk1"/>
+          </a:effectRef>
+          <a:fontRef idx="minor">
+            <a:schemeClr val="tx1"/>
+          </a:fontRef>
+        </p:style>
+      </p:cxnSp>
+      <p:sp>
+        <p:nvSpPr>
+          <p:cNvPr id="45" name="Ellipse 44">
+            <a:extLst>
+              <a:ext uri="{FF2B5EF4-FFF2-40B4-BE49-F238E27FC236}">
+                <a16:creationId xmlns:a16="http://schemas.microsoft.com/office/drawing/2014/main" id="{8061785C-732B-4507-82AD-F416369DFC01}"/>
+              </a:ext>
+            </a:extLst>
+          </p:cNvPr>
+          <p:cNvSpPr/>
+          <p:nvPr/>
+        </p:nvSpPr>
+        <p:spPr>
+          <a:xfrm>
+            <a:off x="6765048" y="1690018"/>
+            <a:ext cx="720000" cy="720000"/>
+          </a:xfrm>
+          <a:prstGeom prst="ellipse">
+            <a:avLst/>
+          </a:prstGeom>
+          <a:solidFill>
+            <a:schemeClr val="accent2">
+              <a:lumMod val="60000"/>
+              <a:lumOff val="40000"/>
+            </a:schemeClr>
+          </a:solidFill>
+          <a:ln>
+            <a:solidFill>
+              <a:schemeClr val="bg2">
+                <a:lumMod val="50000"/>
+              </a:schemeClr>
+            </a:solidFill>
+          </a:ln>
+        </p:spPr>
+        <p:style>
+          <a:lnRef idx="1">
+            <a:schemeClr val="accent2"/>
+          </a:lnRef>
+          <a:fillRef idx="2">
+            <a:schemeClr val="accent2"/>
+          </a:fillRef>
+          <a:effectRef idx="1">
+            <a:schemeClr val="accent2"/>
+          </a:effectRef>
+          <a:fontRef idx="minor">
+            <a:schemeClr val="dk1"/>
+          </a:fontRef>
+        </p:style>
+        <p:txBody>
+          <a:bodyPr rtlCol="0" anchor="ctr"/>
+          <a:lstStyle/>
+          <a:p>
+            <a:pPr algn="ctr"/>
+            <a:endParaRPr lang="en-GB"/>
+          </a:p>
+        </p:txBody>
+      </p:sp>
+      <p:cxnSp>
+        <p:nvCxnSpPr>
+          <p:cNvPr id="46" name="Gerade Verbindung mit Pfeil 45">
+            <a:extLst>
+              <a:ext uri="{FF2B5EF4-FFF2-40B4-BE49-F238E27FC236}">
+                <a16:creationId xmlns:a16="http://schemas.microsoft.com/office/drawing/2014/main" id="{49920773-7ABD-4866-BA0A-546567FC61CB}"/>
+              </a:ext>
+            </a:extLst>
+          </p:cNvPr>
+          <p:cNvCxnSpPr>
+            <a:cxnSpLocks/>
+            <a:stCxn id="20" idx="6"/>
+            <a:endCxn id="45" idx="2"/>
+          </p:cNvCxnSpPr>
+          <p:nvPr/>
+        </p:nvCxnSpPr>
+        <p:spPr>
+          <a:xfrm flipV="1">
+            <a:off x="6042142" y="2050018"/>
+            <a:ext cx="722906" cy="462430"/>
+          </a:xfrm>
+          <a:prstGeom prst="straightConnector1">
+            <a:avLst/>
+          </a:prstGeom>
+          <a:ln w="38100">
+            <a:solidFill>
+              <a:schemeClr val="bg2">
+                <a:lumMod val="50000"/>
+              </a:schemeClr>
+            </a:solidFill>
+            <a:tailEnd type="triangle"/>
+          </a:ln>
+        </p:spPr>
+        <p:style>
+          <a:lnRef idx="3">
+            <a:schemeClr val="dk1"/>
+          </a:lnRef>
+          <a:fillRef idx="0">
+            <a:schemeClr val="dk1"/>
+          </a:fillRef>
+          <a:effectRef idx="2">
+            <a:schemeClr val="dk1"/>
+          </a:effectRef>
+          <a:fontRef idx="minor">
+            <a:schemeClr val="tx1"/>
+          </a:fontRef>
+        </p:style>
+      </p:cxnSp>
+      <p:cxnSp>
+        <p:nvCxnSpPr>
+          <p:cNvPr id="49" name="Gerade Verbindung mit Pfeil 48">
+            <a:extLst>
+              <a:ext uri="{FF2B5EF4-FFF2-40B4-BE49-F238E27FC236}">
+                <a16:creationId xmlns:a16="http://schemas.microsoft.com/office/drawing/2014/main" id="{EFC7E055-3E9C-4FA1-8908-78BDB69EB246}"/>
+              </a:ext>
+            </a:extLst>
+          </p:cNvPr>
+          <p:cNvCxnSpPr>
+            <a:cxnSpLocks/>
+            <a:endCxn id="45" idx="2"/>
+          </p:cNvCxnSpPr>
+          <p:nvPr/>
+        </p:nvCxnSpPr>
+        <p:spPr>
+          <a:xfrm>
+            <a:off x="6042142" y="1587588"/>
+            <a:ext cx="722906" cy="462430"/>
+          </a:xfrm>
+          <a:prstGeom prst="straightConnector1">
+            <a:avLst/>
+          </a:prstGeom>
+          <a:ln w="38100">
+            <a:solidFill>
+              <a:schemeClr val="bg2">
+                <a:lumMod val="50000"/>
+              </a:schemeClr>
+            </a:solidFill>
+            <a:tailEnd type="triangle"/>
+          </a:ln>
+        </p:spPr>
+        <p:style>
+          <a:lnRef idx="3">
+            <a:schemeClr val="dk1"/>
+          </a:lnRef>
+          <a:fillRef idx="0">
+            <a:schemeClr val="dk1"/>
+          </a:fillRef>
+          <a:effectRef idx="2">
+            <a:schemeClr val="dk1"/>
+          </a:effectRef>
+          <a:fontRef idx="minor">
+            <a:schemeClr val="tx1"/>
+          </a:fontRef>
+        </p:style>
+      </p:cxnSp>
+      <p:sp>
+        <p:nvSpPr>
+          <p:cNvPr id="70" name="Ellipse 69">
+            <a:extLst>
+              <a:ext uri="{FF2B5EF4-FFF2-40B4-BE49-F238E27FC236}">
+                <a16:creationId xmlns:a16="http://schemas.microsoft.com/office/drawing/2014/main" id="{0D69DAD7-3A90-4130-A16E-A6E1EB24AC09}"/>
+              </a:ext>
+            </a:extLst>
+          </p:cNvPr>
+          <p:cNvSpPr/>
+          <p:nvPr/>
+        </p:nvSpPr>
+        <p:spPr>
+          <a:xfrm>
+            <a:off x="7931120" y="302730"/>
+            <a:ext cx="720000" cy="720000"/>
+          </a:xfrm>
+          <a:prstGeom prst="ellipse">
+            <a:avLst/>
+          </a:prstGeom>
+          <a:solidFill>
+            <a:schemeClr val="accent4">
+              <a:lumMod val="60000"/>
+              <a:lumOff val="40000"/>
+            </a:schemeClr>
+          </a:solidFill>
+          <a:ln>
+            <a:solidFill>
+              <a:schemeClr val="bg2">
+                <a:lumMod val="50000"/>
+              </a:schemeClr>
+            </a:solidFill>
+          </a:ln>
+        </p:spPr>
+        <p:style>
+          <a:lnRef idx="1">
+            <a:schemeClr val="accent4"/>
+          </a:lnRef>
+          <a:fillRef idx="2">
+            <a:schemeClr val="accent4"/>
+          </a:fillRef>
+          <a:effectRef idx="1">
+            <a:schemeClr val="accent4"/>
+          </a:effectRef>
+          <a:fontRef idx="minor">
+            <a:schemeClr val="dk1"/>
+          </a:fontRef>
+        </p:style>
+        <p:txBody>
+          <a:bodyPr rtlCol="0" anchor="ctr"/>
+          <a:lstStyle/>
+          <a:p>
+            <a:pPr algn="ctr"/>
+            <a:endParaRPr lang="en-GB"/>
+          </a:p>
+        </p:txBody>
+      </p:sp>
+      <p:sp>
+        <p:nvSpPr>
+          <p:cNvPr id="71" name="Ellipse 70">
+            <a:extLst>
+              <a:ext uri="{FF2B5EF4-FFF2-40B4-BE49-F238E27FC236}">
+                <a16:creationId xmlns:a16="http://schemas.microsoft.com/office/drawing/2014/main" id="{8ADE5AC4-CD76-406C-BE4A-73FBA0B834AB}"/>
+              </a:ext>
+            </a:extLst>
+          </p:cNvPr>
+          <p:cNvSpPr/>
+          <p:nvPr/>
+        </p:nvSpPr>
+        <p:spPr>
+          <a:xfrm>
+            <a:off x="7931120" y="1227589"/>
+            <a:ext cx="720000" cy="720000"/>
+          </a:xfrm>
+          <a:prstGeom prst="ellipse">
+            <a:avLst/>
+          </a:prstGeom>
+          <a:solidFill>
+            <a:schemeClr val="accent4">
+              <a:lumMod val="60000"/>
+              <a:lumOff val="40000"/>
+            </a:schemeClr>
+          </a:solidFill>
+          <a:ln>
+            <a:solidFill>
+              <a:schemeClr val="bg2">
+                <a:lumMod val="50000"/>
+              </a:schemeClr>
+            </a:solidFill>
+          </a:ln>
+        </p:spPr>
+        <p:style>
+          <a:lnRef idx="1">
+            <a:schemeClr val="accent4"/>
+          </a:lnRef>
+          <a:fillRef idx="2">
+            <a:schemeClr val="accent4"/>
+          </a:fillRef>
+          <a:effectRef idx="1">
+            <a:schemeClr val="accent4"/>
+          </a:effectRef>
+          <a:fontRef idx="minor">
+            <a:schemeClr val="dk1"/>
+          </a:fontRef>
+        </p:style>
+        <p:txBody>
+          <a:bodyPr rtlCol="0" anchor="ctr"/>
+          <a:lstStyle/>
+          <a:p>
+            <a:pPr algn="ctr"/>
+            <a:endParaRPr lang="en-GB"/>
+          </a:p>
+        </p:txBody>
+      </p:sp>
+      <p:sp>
+        <p:nvSpPr>
+          <p:cNvPr id="72" name="Ellipse 71">
+            <a:extLst>
+              <a:ext uri="{FF2B5EF4-FFF2-40B4-BE49-F238E27FC236}">
+                <a16:creationId xmlns:a16="http://schemas.microsoft.com/office/drawing/2014/main" id="{9935D18A-2FA9-4D46-ACD1-E949E9E080CD}"/>
+              </a:ext>
+            </a:extLst>
+          </p:cNvPr>
+          <p:cNvSpPr/>
+          <p:nvPr/>
+        </p:nvSpPr>
+        <p:spPr>
+          <a:xfrm>
+            <a:off x="7931120" y="2152448"/>
+            <a:ext cx="720000" cy="720000"/>
+          </a:xfrm>
+          <a:prstGeom prst="ellipse">
+            <a:avLst/>
+          </a:prstGeom>
+          <a:solidFill>
+            <a:schemeClr val="accent4">
+              <a:lumMod val="60000"/>
+              <a:lumOff val="40000"/>
+            </a:schemeClr>
+          </a:solidFill>
+          <a:ln>
+            <a:solidFill>
+              <a:schemeClr val="bg2">
+                <a:lumMod val="50000"/>
+              </a:schemeClr>
+            </a:solidFill>
+          </a:ln>
+        </p:spPr>
+        <p:style>
+          <a:lnRef idx="1">
+            <a:schemeClr val="accent4"/>
+          </a:lnRef>
+          <a:fillRef idx="2">
+            <a:schemeClr val="accent4"/>
+          </a:fillRef>
+          <a:effectRef idx="1">
+            <a:schemeClr val="accent4"/>
+          </a:effectRef>
+          <a:fontRef idx="minor">
+            <a:schemeClr val="dk1"/>
+          </a:fontRef>
+        </p:style>
+        <p:txBody>
+          <a:bodyPr rtlCol="0" anchor="ctr"/>
+          <a:lstStyle/>
+          <a:p>
+            <a:pPr algn="ctr"/>
+            <a:endParaRPr lang="en-GB"/>
+          </a:p>
+        </p:txBody>
+      </p:sp>
+      <p:sp>
+        <p:nvSpPr>
+          <p:cNvPr id="73" name="Ellipse 72">
+            <a:extLst>
+              <a:ext uri="{FF2B5EF4-FFF2-40B4-BE49-F238E27FC236}">
+                <a16:creationId xmlns:a16="http://schemas.microsoft.com/office/drawing/2014/main" id="{0646BFFB-A5C7-4C07-8436-C29AA02B5A60}"/>
+              </a:ext>
+            </a:extLst>
+          </p:cNvPr>
+          <p:cNvSpPr/>
+          <p:nvPr/>
+        </p:nvSpPr>
+        <p:spPr>
+          <a:xfrm>
+            <a:off x="7931120" y="3077307"/>
+            <a:ext cx="720000" cy="720000"/>
+          </a:xfrm>
+          <a:prstGeom prst="ellipse">
+            <a:avLst/>
+          </a:prstGeom>
+          <a:solidFill>
+            <a:schemeClr val="accent4">
+              <a:lumMod val="60000"/>
+              <a:lumOff val="40000"/>
+            </a:schemeClr>
+          </a:solidFill>
+          <a:ln>
+            <a:solidFill>
+              <a:schemeClr val="bg2">
+                <a:lumMod val="50000"/>
+              </a:schemeClr>
+            </a:solidFill>
+          </a:ln>
+        </p:spPr>
+        <p:style>
+          <a:lnRef idx="1">
+            <a:schemeClr val="accent4"/>
+          </a:lnRef>
+          <a:fillRef idx="2">
+            <a:schemeClr val="accent4"/>
+          </a:fillRef>
+          <a:effectRef idx="1">
+            <a:schemeClr val="accent4"/>
+          </a:effectRef>
+          <a:fontRef idx="minor">
+            <a:schemeClr val="dk1"/>
+          </a:fontRef>
+        </p:style>
+        <p:txBody>
+          <a:bodyPr rtlCol="0" anchor="ctr"/>
+          <a:lstStyle/>
+          <a:p>
+            <a:pPr algn="ctr"/>
+            <a:endParaRPr lang="en-GB"/>
+          </a:p>
+        </p:txBody>
+      </p:sp>
+      <p:sp>
+        <p:nvSpPr>
+          <p:cNvPr id="74" name="Ellipse 73">
+            <a:extLst>
+              <a:ext uri="{FF2B5EF4-FFF2-40B4-BE49-F238E27FC236}">
+                <a16:creationId xmlns:a16="http://schemas.microsoft.com/office/drawing/2014/main" id="{16757242-E919-4B07-8764-2392B8F69A67}"/>
+              </a:ext>
+            </a:extLst>
+          </p:cNvPr>
+          <p:cNvSpPr/>
+          <p:nvPr/>
+        </p:nvSpPr>
+        <p:spPr>
+          <a:xfrm>
+            <a:off x="9374026" y="1227589"/>
+            <a:ext cx="720000" cy="720000"/>
+          </a:xfrm>
+          <a:prstGeom prst="ellipse">
+            <a:avLst/>
+          </a:prstGeom>
+          <a:solidFill>
+            <a:schemeClr val="accent5">
+              <a:lumMod val="60000"/>
+              <a:lumOff val="40000"/>
+            </a:schemeClr>
+          </a:solidFill>
+          <a:ln>
+            <a:solidFill>
+              <a:schemeClr val="bg2">
+                <a:lumMod val="50000"/>
+              </a:schemeClr>
+            </a:solidFill>
+          </a:ln>
+        </p:spPr>
+        <p:style>
+          <a:lnRef idx="1">
+            <a:schemeClr val="accent5"/>
+          </a:lnRef>
+          <a:fillRef idx="2">
+            <a:schemeClr val="accent5"/>
+          </a:fillRef>
+          <a:effectRef idx="1">
+            <a:schemeClr val="accent5"/>
+          </a:effectRef>
+          <a:fontRef idx="minor">
+            <a:schemeClr val="dk1"/>
+          </a:fontRef>
+        </p:style>
+        <p:txBody>
+          <a:bodyPr rtlCol="0" anchor="ctr"/>
+          <a:lstStyle/>
+          <a:p>
+            <a:pPr algn="ctr"/>
+            <a:endParaRPr lang="en-GB">
+              <a:solidFill>
+                <a:schemeClr val="dk1"/>
+              </a:solidFill>
+            </a:endParaRPr>
+          </a:p>
+        </p:txBody>
+      </p:sp>
+      <p:sp>
+        <p:nvSpPr>
+          <p:cNvPr id="75" name="Ellipse 74">
+            <a:extLst>
+              <a:ext uri="{FF2B5EF4-FFF2-40B4-BE49-F238E27FC236}">
+                <a16:creationId xmlns:a16="http://schemas.microsoft.com/office/drawing/2014/main" id="{F426443C-A355-4AFD-AAEA-997DEAB19293}"/>
+              </a:ext>
+            </a:extLst>
+          </p:cNvPr>
+          <p:cNvSpPr/>
+          <p:nvPr/>
+        </p:nvSpPr>
+        <p:spPr>
+          <a:xfrm>
+            <a:off x="9374026" y="2152448"/>
+            <a:ext cx="720000" cy="720000"/>
+          </a:xfrm>
+          <a:prstGeom prst="ellipse">
+            <a:avLst/>
+          </a:prstGeom>
+          <a:solidFill>
+            <a:schemeClr val="accent5">
+              <a:lumMod val="60000"/>
+              <a:lumOff val="40000"/>
+            </a:schemeClr>
+          </a:solidFill>
+          <a:ln>
+            <a:solidFill>
+              <a:schemeClr val="bg2">
+                <a:lumMod val="50000"/>
+              </a:schemeClr>
+            </a:solidFill>
+          </a:ln>
+        </p:spPr>
+        <p:style>
+          <a:lnRef idx="1">
+            <a:schemeClr val="accent5"/>
+          </a:lnRef>
+          <a:fillRef idx="2">
+            <a:schemeClr val="accent5"/>
+          </a:fillRef>
+          <a:effectRef idx="1">
+            <a:schemeClr val="accent5"/>
+          </a:effectRef>
+          <a:fontRef idx="minor">
+            <a:schemeClr val="dk1"/>
+          </a:fontRef>
+        </p:style>
+        <p:txBody>
+          <a:bodyPr rtlCol="0" anchor="ctr"/>
+          <a:lstStyle/>
+          <a:p>
+            <a:pPr algn="ctr"/>
+            <a:endParaRPr lang="en-GB">
+              <a:solidFill>
+                <a:schemeClr val="dk1"/>
+              </a:solidFill>
+            </a:endParaRPr>
+          </a:p>
+        </p:txBody>
+      </p:sp>
+      <p:cxnSp>
+        <p:nvCxnSpPr>
+          <p:cNvPr id="76" name="Gerade Verbindung mit Pfeil 75">
+            <a:extLst>
+              <a:ext uri="{FF2B5EF4-FFF2-40B4-BE49-F238E27FC236}">
+                <a16:creationId xmlns:a16="http://schemas.microsoft.com/office/drawing/2014/main" id="{4B7E2A58-7CDE-4A65-93D0-4558F72AEB2B}"/>
+              </a:ext>
+            </a:extLst>
+          </p:cNvPr>
+          <p:cNvCxnSpPr>
+            <a:cxnSpLocks/>
+            <a:stCxn id="70" idx="6"/>
+            <a:endCxn id="74" idx="2"/>
+          </p:cNvCxnSpPr>
+          <p:nvPr/>
+        </p:nvCxnSpPr>
+        <p:spPr>
+          <a:xfrm>
+            <a:off x="8651120" y="662730"/>
+            <a:ext cx="722906" cy="924859"/>
+          </a:xfrm>
+          <a:prstGeom prst="straightConnector1">
+            <a:avLst/>
+          </a:prstGeom>
+          <a:ln w="38100">
+            <a:solidFill>
+              <a:schemeClr val="bg2">
+                <a:lumMod val="50000"/>
+              </a:schemeClr>
+            </a:solidFill>
+            <a:tailEnd type="triangle"/>
+          </a:ln>
+        </p:spPr>
+        <p:style>
+          <a:lnRef idx="3">
+            <a:schemeClr val="dk1"/>
+          </a:lnRef>
+          <a:fillRef idx="0">
+            <a:schemeClr val="dk1"/>
+          </a:fillRef>
+          <a:effectRef idx="2">
+            <a:schemeClr val="dk1"/>
+          </a:effectRef>
+          <a:fontRef idx="minor">
+            <a:schemeClr val="tx1"/>
+          </a:fontRef>
+        </p:style>
+      </p:cxnSp>
+      <p:cxnSp>
+        <p:nvCxnSpPr>
+          <p:cNvPr id="77" name="Gerade Verbindung mit Pfeil 76">
+            <a:extLst>
+              <a:ext uri="{FF2B5EF4-FFF2-40B4-BE49-F238E27FC236}">
+                <a16:creationId xmlns:a16="http://schemas.microsoft.com/office/drawing/2014/main" id="{98686CB3-5CA9-4D4B-B0DD-DA2644FF8633}"/>
+              </a:ext>
+            </a:extLst>
+          </p:cNvPr>
+          <p:cNvCxnSpPr>
+            <a:cxnSpLocks/>
+            <a:stCxn id="71" idx="6"/>
+            <a:endCxn id="74" idx="2"/>
+          </p:cNvCxnSpPr>
+          <p:nvPr/>
+        </p:nvCxnSpPr>
+        <p:spPr>
+          <a:xfrm>
+            <a:off x="8651120" y="1587589"/>
+            <a:ext cx="722906" cy="0"/>
+          </a:xfrm>
+          <a:prstGeom prst="straightConnector1">
+            <a:avLst/>
+          </a:prstGeom>
+          <a:ln w="38100">
+            <a:solidFill>
+              <a:schemeClr val="bg2">
+                <a:lumMod val="50000"/>
+              </a:schemeClr>
+            </a:solidFill>
+            <a:tailEnd type="triangle"/>
+          </a:ln>
+        </p:spPr>
+        <p:style>
+          <a:lnRef idx="3">
+            <a:schemeClr val="dk1"/>
+          </a:lnRef>
+          <a:fillRef idx="0">
+            <a:schemeClr val="dk1"/>
+          </a:fillRef>
+          <a:effectRef idx="2">
+            <a:schemeClr val="dk1"/>
+          </a:effectRef>
+          <a:fontRef idx="minor">
+            <a:schemeClr val="tx1"/>
+          </a:fontRef>
+        </p:style>
+      </p:cxnSp>
+      <p:cxnSp>
+        <p:nvCxnSpPr>
+          <p:cNvPr id="78" name="Gerade Verbindung mit Pfeil 77">
+            <a:extLst>
+              <a:ext uri="{FF2B5EF4-FFF2-40B4-BE49-F238E27FC236}">
+                <a16:creationId xmlns:a16="http://schemas.microsoft.com/office/drawing/2014/main" id="{581775C7-1B23-4515-8C4E-43B0893F3DFF}"/>
+              </a:ext>
+            </a:extLst>
+          </p:cNvPr>
+          <p:cNvCxnSpPr>
+            <a:cxnSpLocks/>
+            <a:stCxn id="72" idx="6"/>
+            <a:endCxn id="75" idx="2"/>
+          </p:cNvCxnSpPr>
+          <p:nvPr/>
+        </p:nvCxnSpPr>
+        <p:spPr>
+          <a:xfrm>
+            <a:off x="8651120" y="2512448"/>
+            <a:ext cx="722906" cy="0"/>
+          </a:xfrm>
+          <a:prstGeom prst="straightConnector1">
+            <a:avLst/>
+          </a:prstGeom>
+          <a:ln w="38100">
+            <a:solidFill>
+              <a:schemeClr val="bg2">
+                <a:lumMod val="50000"/>
+              </a:schemeClr>
+            </a:solidFill>
+            <a:tailEnd type="triangle"/>
+          </a:ln>
+        </p:spPr>
+        <p:style>
+          <a:lnRef idx="3">
+            <a:schemeClr val="dk1"/>
+          </a:lnRef>
+          <a:fillRef idx="0">
+            <a:schemeClr val="dk1"/>
+          </a:fillRef>
+          <a:effectRef idx="2">
+            <a:schemeClr val="dk1"/>
+          </a:effectRef>
+          <a:fontRef idx="minor">
+            <a:schemeClr val="tx1"/>
+          </a:fontRef>
+        </p:style>
+      </p:cxnSp>
+      <p:cxnSp>
+        <p:nvCxnSpPr>
+          <p:cNvPr id="79" name="Gerade Verbindung mit Pfeil 78">
+            <a:extLst>
+              <a:ext uri="{FF2B5EF4-FFF2-40B4-BE49-F238E27FC236}">
+                <a16:creationId xmlns:a16="http://schemas.microsoft.com/office/drawing/2014/main" id="{F799A785-4E64-4B00-8346-2067B400E38C}"/>
+              </a:ext>
+            </a:extLst>
+          </p:cNvPr>
+          <p:cNvCxnSpPr>
+            <a:cxnSpLocks/>
+            <a:stCxn id="73" idx="6"/>
+            <a:endCxn id="75" idx="2"/>
+          </p:cNvCxnSpPr>
+          <p:nvPr/>
+        </p:nvCxnSpPr>
+        <p:spPr>
+          <a:xfrm flipV="1">
+            <a:off x="8651120" y="2512448"/>
+            <a:ext cx="722906" cy="924859"/>
+          </a:xfrm>
+          <a:prstGeom prst="straightConnector1">
+            <a:avLst/>
+          </a:prstGeom>
+          <a:ln w="38100">
+            <a:solidFill>
+              <a:schemeClr val="bg2">
+                <a:lumMod val="50000"/>
+              </a:schemeClr>
+            </a:solidFill>
+            <a:tailEnd type="triangle"/>
+          </a:ln>
+        </p:spPr>
+        <p:style>
+          <a:lnRef idx="3">
+            <a:schemeClr val="dk1"/>
+          </a:lnRef>
+          <a:fillRef idx="0">
+            <a:schemeClr val="dk1"/>
+          </a:fillRef>
+          <a:effectRef idx="2">
+            <a:schemeClr val="dk1"/>
+          </a:effectRef>
+          <a:fontRef idx="minor">
+            <a:schemeClr val="tx1"/>
+          </a:fontRef>
+        </p:style>
+      </p:cxnSp>
+      <p:cxnSp>
+        <p:nvCxnSpPr>
+          <p:cNvPr id="80" name="Gerade Verbindung mit Pfeil 79">
+            <a:extLst>
+              <a:ext uri="{FF2B5EF4-FFF2-40B4-BE49-F238E27FC236}">
+                <a16:creationId xmlns:a16="http://schemas.microsoft.com/office/drawing/2014/main" id="{32CDBBED-99BC-4D48-9FB0-E1F7FC1E9E0B}"/>
+              </a:ext>
+            </a:extLst>
+          </p:cNvPr>
+          <p:cNvCxnSpPr>
+            <a:cxnSpLocks/>
+            <a:stCxn id="70" idx="6"/>
+            <a:endCxn id="75" idx="2"/>
+          </p:cNvCxnSpPr>
+          <p:nvPr/>
+        </p:nvCxnSpPr>
+        <p:spPr>
+          <a:xfrm>
+            <a:off x="8651120" y="662730"/>
+            <a:ext cx="722906" cy="1849718"/>
+          </a:xfrm>
+          <a:prstGeom prst="straightConnector1">
+            <a:avLst/>
+          </a:prstGeom>
+          <a:ln w="38100">
+            <a:solidFill>
+              <a:schemeClr val="bg2">
+                <a:lumMod val="50000"/>
+              </a:schemeClr>
+            </a:solidFill>
+            <a:tailEnd type="triangle"/>
+          </a:ln>
+        </p:spPr>
+        <p:style>
+          <a:lnRef idx="3">
+            <a:schemeClr val="dk1"/>
+          </a:lnRef>
+          <a:fillRef idx="0">
+            <a:schemeClr val="dk1"/>
+          </a:fillRef>
+          <a:effectRef idx="2">
+            <a:schemeClr val="dk1"/>
+          </a:effectRef>
+          <a:fontRef idx="minor">
+            <a:schemeClr val="tx1"/>
+          </a:fontRef>
+        </p:style>
+      </p:cxnSp>
+      <p:cxnSp>
+        <p:nvCxnSpPr>
+          <p:cNvPr id="81" name="Gerade Verbindung mit Pfeil 80">
+            <a:extLst>
+              <a:ext uri="{FF2B5EF4-FFF2-40B4-BE49-F238E27FC236}">
+                <a16:creationId xmlns:a16="http://schemas.microsoft.com/office/drawing/2014/main" id="{D8D39EFF-701B-48E3-9171-22A6858D2BEC}"/>
+              </a:ext>
+            </a:extLst>
+          </p:cNvPr>
+          <p:cNvCxnSpPr>
+            <a:cxnSpLocks/>
+            <a:stCxn id="71" idx="6"/>
+            <a:endCxn id="75" idx="2"/>
+          </p:cNvCxnSpPr>
+          <p:nvPr/>
+        </p:nvCxnSpPr>
+        <p:spPr>
+          <a:xfrm>
+            <a:off x="8651120" y="1587589"/>
+            <a:ext cx="722906" cy="924859"/>
+          </a:xfrm>
+          <a:prstGeom prst="straightConnector1">
+            <a:avLst/>
+          </a:prstGeom>
+          <a:ln w="38100">
+            <a:solidFill>
+              <a:schemeClr val="bg2">
+                <a:lumMod val="50000"/>
+              </a:schemeClr>
+            </a:solidFill>
+            <a:tailEnd type="triangle"/>
+          </a:ln>
+        </p:spPr>
+        <p:style>
+          <a:lnRef idx="3">
+            <a:schemeClr val="dk1"/>
+          </a:lnRef>
+          <a:fillRef idx="0">
+            <a:schemeClr val="dk1"/>
+          </a:fillRef>
+          <a:effectRef idx="2">
+            <a:schemeClr val="dk1"/>
+          </a:effectRef>
+          <a:fontRef idx="minor">
+            <a:schemeClr val="tx1"/>
+          </a:fontRef>
+        </p:style>
+      </p:cxnSp>
+      <p:cxnSp>
+        <p:nvCxnSpPr>
+          <p:cNvPr id="82" name="Gerade Verbindung mit Pfeil 81">
+            <a:extLst>
+              <a:ext uri="{FF2B5EF4-FFF2-40B4-BE49-F238E27FC236}">
+                <a16:creationId xmlns:a16="http://schemas.microsoft.com/office/drawing/2014/main" id="{A25CD18C-3C5C-4867-AAC9-2B7EB719DEF3}"/>
+              </a:ext>
+            </a:extLst>
+          </p:cNvPr>
+          <p:cNvCxnSpPr>
+            <a:cxnSpLocks/>
+            <a:stCxn id="72" idx="6"/>
+            <a:endCxn id="74" idx="2"/>
+          </p:cNvCxnSpPr>
+          <p:nvPr/>
+        </p:nvCxnSpPr>
+        <p:spPr>
+          <a:xfrm flipV="1">
+            <a:off x="8651120" y="1587589"/>
+            <a:ext cx="722906" cy="924859"/>
+          </a:xfrm>
+          <a:prstGeom prst="straightConnector1">
+            <a:avLst/>
+          </a:prstGeom>
+          <a:ln w="38100">
+            <a:solidFill>
+              <a:schemeClr val="bg2">
+                <a:lumMod val="50000"/>
+              </a:schemeClr>
+            </a:solidFill>
+            <a:tailEnd type="triangle"/>
+          </a:ln>
+        </p:spPr>
+        <p:style>
+          <a:lnRef idx="3">
+            <a:schemeClr val="dk1"/>
+          </a:lnRef>
+          <a:fillRef idx="0">
+            <a:schemeClr val="dk1"/>
+          </a:fillRef>
+          <a:effectRef idx="2">
+            <a:schemeClr val="dk1"/>
+          </a:effectRef>
+          <a:fontRef idx="minor">
+            <a:schemeClr val="tx1"/>
+          </a:fontRef>
+        </p:style>
+      </p:cxnSp>
+      <p:cxnSp>
+        <p:nvCxnSpPr>
+          <p:cNvPr id="83" name="Gerade Verbindung mit Pfeil 82">
+            <a:extLst>
+              <a:ext uri="{FF2B5EF4-FFF2-40B4-BE49-F238E27FC236}">
+                <a16:creationId xmlns:a16="http://schemas.microsoft.com/office/drawing/2014/main" id="{3846A21B-9941-4E9D-ABC3-D14CB6B681FF}"/>
+              </a:ext>
+            </a:extLst>
+          </p:cNvPr>
+          <p:cNvCxnSpPr>
+            <a:cxnSpLocks/>
+            <a:stCxn id="73" idx="6"/>
+            <a:endCxn id="74" idx="2"/>
+          </p:cNvCxnSpPr>
+          <p:nvPr/>
+        </p:nvCxnSpPr>
+        <p:spPr>
+          <a:xfrm flipV="1">
+            <a:off x="8651120" y="1587589"/>
+            <a:ext cx="722906" cy="1849718"/>
+          </a:xfrm>
+          <a:prstGeom prst="straightConnector1">
+            <a:avLst/>
+          </a:prstGeom>
+          <a:ln w="38100">
+            <a:solidFill>
+              <a:schemeClr val="bg2">
+                <a:lumMod val="50000"/>
+              </a:schemeClr>
+            </a:solidFill>
+            <a:tailEnd type="triangle"/>
+          </a:ln>
+        </p:spPr>
+        <p:style>
+          <a:lnRef idx="3">
+            <a:schemeClr val="dk1"/>
+          </a:lnRef>
+          <a:fillRef idx="0">
+            <a:schemeClr val="dk1"/>
+          </a:fillRef>
+          <a:effectRef idx="2">
+            <a:schemeClr val="dk1"/>
+          </a:effectRef>
+          <a:fontRef idx="minor">
+            <a:schemeClr val="tx1"/>
+          </a:fontRef>
+        </p:style>
+      </p:cxnSp>
+      <p:sp>
+        <p:nvSpPr>
+          <p:cNvPr id="84" name="Ellipse 83">
+            <a:extLst>
+              <a:ext uri="{FF2B5EF4-FFF2-40B4-BE49-F238E27FC236}">
+                <a16:creationId xmlns:a16="http://schemas.microsoft.com/office/drawing/2014/main" id="{23814BBE-12C0-4356-9A2B-D936CAE955AE}"/>
+              </a:ext>
+            </a:extLst>
+          </p:cNvPr>
+          <p:cNvSpPr/>
+          <p:nvPr/>
+        </p:nvSpPr>
+        <p:spPr>
+          <a:xfrm>
+            <a:off x="10816932" y="1690018"/>
+            <a:ext cx="720000" cy="720000"/>
+          </a:xfrm>
+          <a:prstGeom prst="ellipse">
+            <a:avLst/>
+          </a:prstGeom>
+          <a:solidFill>
+            <a:schemeClr val="accent2">
+              <a:lumMod val="60000"/>
+              <a:lumOff val="40000"/>
+            </a:schemeClr>
+          </a:solidFill>
+          <a:ln>
+            <a:solidFill>
+              <a:schemeClr val="bg2">
+                <a:lumMod val="50000"/>
+              </a:schemeClr>
+            </a:solidFill>
+          </a:ln>
+        </p:spPr>
+        <p:style>
+          <a:lnRef idx="1">
+            <a:schemeClr val="accent2"/>
+          </a:lnRef>
+          <a:fillRef idx="2">
+            <a:schemeClr val="accent2"/>
+          </a:fillRef>
+          <a:effectRef idx="1">
+            <a:schemeClr val="accent2"/>
+          </a:effectRef>
+          <a:fontRef idx="minor">
+            <a:schemeClr val="dk1"/>
+          </a:fontRef>
+        </p:style>
+        <p:txBody>
+          <a:bodyPr rtlCol="0" anchor="ctr"/>
+          <a:lstStyle/>
+          <a:p>
+            <a:pPr algn="ctr"/>
+            <a:endParaRPr lang="en-GB">
+              <a:solidFill>
+                <a:schemeClr val="dk1"/>
+              </a:solidFill>
+            </a:endParaRPr>
+          </a:p>
+        </p:txBody>
+      </p:sp>
+      <p:cxnSp>
+        <p:nvCxnSpPr>
+          <p:cNvPr id="85" name="Gerade Verbindung mit Pfeil 84">
+            <a:extLst>
+              <a:ext uri="{FF2B5EF4-FFF2-40B4-BE49-F238E27FC236}">
+                <a16:creationId xmlns:a16="http://schemas.microsoft.com/office/drawing/2014/main" id="{1D412E61-0905-47EE-9A3F-1CF564E65D45}"/>
+              </a:ext>
+            </a:extLst>
+          </p:cNvPr>
+          <p:cNvCxnSpPr>
+            <a:cxnSpLocks/>
+            <a:stCxn id="75" idx="6"/>
+            <a:endCxn id="84" idx="2"/>
+          </p:cNvCxnSpPr>
+          <p:nvPr/>
+        </p:nvCxnSpPr>
+        <p:spPr>
+          <a:xfrm flipV="1">
+            <a:off x="10094026" y="2050018"/>
+            <a:ext cx="722906" cy="462430"/>
+          </a:xfrm>
+          <a:prstGeom prst="straightConnector1">
+            <a:avLst/>
+          </a:prstGeom>
+          <a:ln w="38100">
+            <a:solidFill>
+              <a:schemeClr val="bg2">
+                <a:lumMod val="50000"/>
+              </a:schemeClr>
+            </a:solidFill>
+            <a:tailEnd type="triangle"/>
+          </a:ln>
+        </p:spPr>
+        <p:style>
+          <a:lnRef idx="3">
+            <a:schemeClr val="dk1"/>
+          </a:lnRef>
+          <a:fillRef idx="0">
+            <a:schemeClr val="dk1"/>
+          </a:fillRef>
+          <a:effectRef idx="2">
+            <a:schemeClr val="dk1"/>
+          </a:effectRef>
+          <a:fontRef idx="minor">
+            <a:schemeClr val="tx1"/>
+          </a:fontRef>
+        </p:style>
+      </p:cxnSp>
+      <p:cxnSp>
+        <p:nvCxnSpPr>
+          <p:cNvPr id="86" name="Gerade Verbindung mit Pfeil 85">
+            <a:extLst>
+              <a:ext uri="{FF2B5EF4-FFF2-40B4-BE49-F238E27FC236}">
+                <a16:creationId xmlns:a16="http://schemas.microsoft.com/office/drawing/2014/main" id="{52E0EBDA-3DE1-4F83-BDCD-1F9D4D60A917}"/>
+              </a:ext>
+            </a:extLst>
+          </p:cNvPr>
+          <p:cNvCxnSpPr>
+            <a:cxnSpLocks/>
+            <a:stCxn id="74" idx="6"/>
+            <a:endCxn id="84" idx="2"/>
+          </p:cNvCxnSpPr>
+          <p:nvPr/>
+        </p:nvCxnSpPr>
+        <p:spPr>
+          <a:xfrm>
+            <a:off x="10094026" y="1587589"/>
+            <a:ext cx="722906" cy="462429"/>
+          </a:xfrm>
+          <a:prstGeom prst="straightConnector1">
+            <a:avLst/>
+          </a:prstGeom>
+          <a:ln w="38100">
+            <a:solidFill>
+              <a:schemeClr val="bg2">
+                <a:lumMod val="50000"/>
+              </a:schemeClr>
+            </a:solidFill>
+            <a:tailEnd type="triangle"/>
+          </a:ln>
+        </p:spPr>
+        <p:style>
+          <a:lnRef idx="3">
+            <a:schemeClr val="dk1"/>
+          </a:lnRef>
+          <a:fillRef idx="0">
+            <a:schemeClr val="dk1"/>
+          </a:fillRef>
+          <a:effectRef idx="2">
+            <a:schemeClr val="dk1"/>
+          </a:effectRef>
+          <a:fontRef idx="minor">
+            <a:schemeClr val="tx1"/>
+          </a:fontRef>
+        </p:style>
+      </p:cxnSp>
+      <p:cxnSp>
+        <p:nvCxnSpPr>
+          <p:cNvPr id="88" name="Verbinder: gekrümmt 87">
+            <a:extLst>
+              <a:ext uri="{FF2B5EF4-FFF2-40B4-BE49-F238E27FC236}">
+                <a16:creationId xmlns:a16="http://schemas.microsoft.com/office/drawing/2014/main" id="{FF4A6CE5-9142-40F1-8C23-303B65C551B4}"/>
+              </a:ext>
+            </a:extLst>
+          </p:cNvPr>
+          <p:cNvCxnSpPr>
+            <a:stCxn id="74" idx="6"/>
+            <a:endCxn id="74" idx="0"/>
+          </p:cNvCxnSpPr>
+          <p:nvPr/>
+        </p:nvCxnSpPr>
+        <p:spPr>
+          <a:xfrm flipH="1" flipV="1">
+            <a:off x="9734026" y="1227589"/>
+            <a:ext cx="360000" cy="360000"/>
+          </a:xfrm>
+          <a:prstGeom prst="curvedConnector4">
+            <a:avLst>
+              <a:gd name="adj1" fmla="val -63500"/>
+              <a:gd name="adj2" fmla="val 163500"/>
+            </a:avLst>
+          </a:prstGeom>
+          <a:ln w="38100">
+            <a:solidFill>
+              <a:schemeClr val="bg2">
+                <a:lumMod val="50000"/>
+              </a:schemeClr>
+            </a:solidFill>
+            <a:tailEnd type="triangle"/>
+          </a:ln>
+        </p:spPr>
+        <p:style>
+          <a:lnRef idx="1">
+            <a:schemeClr val="accent5"/>
+          </a:lnRef>
+          <a:fillRef idx="0">
+            <a:schemeClr val="accent5"/>
+          </a:fillRef>
+          <a:effectRef idx="0">
+            <a:schemeClr val="accent5"/>
+          </a:effectRef>
+          <a:fontRef idx="minor">
+            <a:schemeClr val="tx1"/>
+          </a:fontRef>
+        </p:style>
+      </p:cxnSp>
+      <p:cxnSp>
+        <p:nvCxnSpPr>
+          <p:cNvPr id="89" name="Verbinder: gekrümmt 88">
+            <a:extLst>
+              <a:ext uri="{FF2B5EF4-FFF2-40B4-BE49-F238E27FC236}">
+                <a16:creationId xmlns:a16="http://schemas.microsoft.com/office/drawing/2014/main" id="{473B43A2-0450-4248-87D4-C897D9995DC7}"/>
+              </a:ext>
+            </a:extLst>
+          </p:cNvPr>
+          <p:cNvCxnSpPr/>
+          <p:nvPr/>
+        </p:nvCxnSpPr>
+        <p:spPr>
+          <a:xfrm flipH="1" flipV="1">
+            <a:off x="9726980" y="2152448"/>
+            <a:ext cx="360000" cy="360000"/>
+          </a:xfrm>
+          <a:prstGeom prst="curvedConnector4">
+            <a:avLst>
+              <a:gd name="adj1" fmla="val -63500"/>
+              <a:gd name="adj2" fmla="val 163500"/>
+            </a:avLst>
+          </a:prstGeom>
+          <a:ln w="38100">
+            <a:solidFill>
+              <a:schemeClr val="bg2">
+                <a:lumMod val="50000"/>
+              </a:schemeClr>
+            </a:solidFill>
+            <a:tailEnd type="triangle"/>
+          </a:ln>
+        </p:spPr>
+        <p:style>
+          <a:lnRef idx="1">
+            <a:schemeClr val="accent5"/>
+          </a:lnRef>
+          <a:fillRef idx="0">
+            <a:schemeClr val="accent5"/>
+          </a:fillRef>
+          <a:effectRef idx="0">
+            <a:schemeClr val="accent5"/>
+          </a:effectRef>
+          <a:fontRef idx="minor">
+            <a:schemeClr val="tx1"/>
+          </a:fontRef>
+        </p:style>
+      </p:cxnSp>
+    </p:spTree>
+    <p:extLst>
+      <p:ext uri="{BB962C8B-B14F-4D97-AF65-F5344CB8AC3E}">
+        <p14:creationId xmlns:p14="http://schemas.microsoft.com/office/powerpoint/2010/main" val="2231930781"/>
+      </p:ext>
+    </p:extLst>
+  </p:cSld>
+  <p:clrMapOvr>
+    <a:masterClrMapping/>
+  </p:clrMapOvr>
+</p:sld>
+</file>
+
+<file path=ppt/slides/slide6.xml><?xml version="1.0" encoding="utf-8"?>
+<p:sld xmlns:a="http://schemas.openxmlformats.org/drawingml/2006/main" xmlns:r="http://schemas.openxmlformats.org/officeDocument/2006/relationships" xmlns:p="http://schemas.openxmlformats.org/presentationml/2006/main">
+  <p:cSld>
+    <p:spTree>
+      <p:nvGrpSpPr>
+        <p:cNvPr id="1" name=""/>
+        <p:cNvGrpSpPr/>
+        <p:nvPr/>
+      </p:nvGrpSpPr>
+      <p:grpSpPr>
+        <a:xfrm>
+          <a:off x="0" y="0"/>
+          <a:ext cx="0" cy="0"/>
+          <a:chOff x="0" y="0"/>
+          <a:chExt cx="0" cy="0"/>
+        </a:xfrm>
+      </p:grpSpPr>
+      <p:sp>
+        <p:nvSpPr>
+          <p:cNvPr id="4" name="Rechteck 3">
+            <a:extLst>
+              <a:ext uri="{FF2B5EF4-FFF2-40B4-BE49-F238E27FC236}">
+                <a16:creationId xmlns:a16="http://schemas.microsoft.com/office/drawing/2014/main" id="{F3BB0B87-3578-4EB1-AB85-6B99B788264C}"/>
+              </a:ext>
+            </a:extLst>
+          </p:cNvPr>
+          <p:cNvSpPr/>
+          <p:nvPr/>
+        </p:nvSpPr>
+        <p:spPr>
+          <a:xfrm>
+            <a:off x="813732" y="771787"/>
+            <a:ext cx="1770077" cy="1065402"/>
+          </a:xfrm>
+          <a:prstGeom prst="rect">
+            <a:avLst/>
+          </a:prstGeom>
+        </p:spPr>
+        <p:style>
+          <a:lnRef idx="2">
+            <a:schemeClr val="accent2">
+              <a:shade val="50000"/>
+            </a:schemeClr>
+          </a:lnRef>
+          <a:fillRef idx="1">
+            <a:schemeClr val="accent2"/>
+          </a:fillRef>
+          <a:effectRef idx="0">
+            <a:schemeClr val="accent2"/>
+          </a:effectRef>
+          <a:fontRef idx="minor">
+            <a:schemeClr val="lt1"/>
+          </a:fontRef>
+        </p:style>
+        <p:txBody>
+          <a:bodyPr rtlCol="0" anchor="ctr"/>
+          <a:lstStyle/>
+          <a:p>
+            <a:pPr algn="ctr"/>
+            <a:r>
+              <a:rPr lang="de-DE" dirty="0" err="1"/>
+              <a:t>Is</a:t>
+            </a:r>
+            <a:r>
+              <a:rPr lang="de-DE" dirty="0"/>
+              <a:t> </a:t>
+            </a:r>
+            <a:r>
+              <a:rPr lang="de-DE" dirty="0" err="1"/>
+              <a:t>it</a:t>
+            </a:r>
+            <a:r>
+              <a:rPr lang="de-DE" dirty="0"/>
+              <a:t> </a:t>
+            </a:r>
+            <a:r>
+              <a:rPr lang="de-DE" dirty="0" err="1"/>
+              <a:t>cold</a:t>
+            </a:r>
+            <a:r>
+              <a:rPr lang="de-DE" dirty="0"/>
+              <a:t>?</a:t>
+            </a:r>
+            <a:endParaRPr lang="en-GB" dirty="0"/>
+          </a:p>
+        </p:txBody>
+      </p:sp>
+      <p:cxnSp>
+        <p:nvCxnSpPr>
+          <p:cNvPr id="8" name="Verbinder: gewinkelt 7">
+            <a:extLst>
+              <a:ext uri="{FF2B5EF4-FFF2-40B4-BE49-F238E27FC236}">
+                <a16:creationId xmlns:a16="http://schemas.microsoft.com/office/drawing/2014/main" id="{58A273F2-91C3-42BA-86C1-46971A37F34A}"/>
+              </a:ext>
+            </a:extLst>
+          </p:cNvPr>
+          <p:cNvCxnSpPr>
+            <a:stCxn id="4" idx="3"/>
+          </p:cNvCxnSpPr>
+          <p:nvPr/>
+        </p:nvCxnSpPr>
+        <p:spPr>
+          <a:xfrm flipV="1">
+            <a:off x="2583809" y="771787"/>
+            <a:ext cx="1669409" cy="532701"/>
+          </a:xfrm>
+          <a:prstGeom prst="bentConnector3">
+            <a:avLst/>
+          </a:prstGeom>
+          <a:ln w="19050">
+            <a:solidFill>
+              <a:srgbClr val="CC4C03"/>
+            </a:solidFill>
+            <a:tailEnd type="triangle"/>
+          </a:ln>
+        </p:spPr>
+        <p:style>
+          <a:lnRef idx="1">
+            <a:schemeClr val="accent1"/>
+          </a:lnRef>
+          <a:fillRef idx="0">
+            <a:schemeClr val="accent1"/>
+          </a:fillRef>
+          <a:effectRef idx="0">
+            <a:schemeClr val="accent1"/>
+          </a:effectRef>
+          <a:fontRef idx="minor">
+            <a:schemeClr val="tx1"/>
+          </a:fontRef>
+        </p:style>
+      </p:cxnSp>
+      <p:cxnSp>
+        <p:nvCxnSpPr>
+          <p:cNvPr id="9" name="Verbinder: gewinkelt 8">
+            <a:extLst>
+              <a:ext uri="{FF2B5EF4-FFF2-40B4-BE49-F238E27FC236}">
+                <a16:creationId xmlns:a16="http://schemas.microsoft.com/office/drawing/2014/main" id="{53F7DA87-A18E-4DC0-A411-E18D90E131CA}"/>
+              </a:ext>
+            </a:extLst>
+          </p:cNvPr>
+          <p:cNvCxnSpPr>
+            <a:cxnSpLocks/>
+            <a:stCxn id="4" idx="3"/>
+          </p:cNvCxnSpPr>
+          <p:nvPr/>
+        </p:nvCxnSpPr>
+        <p:spPr>
+          <a:xfrm>
+            <a:off x="2583809" y="1304488"/>
+            <a:ext cx="1669409" cy="532701"/>
+          </a:xfrm>
+          <a:prstGeom prst="bentConnector3">
+            <a:avLst/>
+          </a:prstGeom>
+          <a:ln w="19050">
+            <a:solidFill>
+              <a:srgbClr val="CC4C03"/>
+            </a:solidFill>
+            <a:tailEnd type="triangle"/>
+          </a:ln>
+        </p:spPr>
+        <p:style>
+          <a:lnRef idx="1">
+            <a:schemeClr val="accent1"/>
+          </a:lnRef>
+          <a:fillRef idx="0">
+            <a:schemeClr val="accent1"/>
+          </a:fillRef>
+          <a:effectRef idx="0">
+            <a:schemeClr val="accent1"/>
+          </a:effectRef>
+          <a:fontRef idx="minor">
+            <a:schemeClr val="tx1"/>
+          </a:fontRef>
+        </p:style>
+      </p:cxnSp>
+      <p:sp>
+        <p:nvSpPr>
+          <p:cNvPr id="12" name="Textfeld 11">
+            <a:extLst>
+              <a:ext uri="{FF2B5EF4-FFF2-40B4-BE49-F238E27FC236}">
+                <a16:creationId xmlns:a16="http://schemas.microsoft.com/office/drawing/2014/main" id="{69085DD0-E5CC-4E61-9C26-6AE9F2A8317F}"/>
+              </a:ext>
+            </a:extLst>
+          </p:cNvPr>
+          <p:cNvSpPr txBox="1"/>
+          <p:nvPr/>
+        </p:nvSpPr>
+        <p:spPr>
+          <a:xfrm>
+            <a:off x="4253218" y="587121"/>
+            <a:ext cx="796500" cy="369332"/>
+          </a:xfrm>
+          <a:prstGeom prst="rect">
+            <a:avLst/>
+          </a:prstGeom>
+          <a:noFill/>
+        </p:spPr>
+        <p:txBody>
+          <a:bodyPr wrap="none" rtlCol="0">
+            <a:spAutoFit/>
+          </a:bodyPr>
+          <a:lstStyle/>
+          <a:p>
+            <a:r>
+              <a:rPr lang="de-DE" dirty="0"/>
+              <a:t>Yes (1)</a:t>
+            </a:r>
+            <a:endParaRPr lang="en-GB" dirty="0"/>
+          </a:p>
+        </p:txBody>
+      </p:sp>
+      <p:sp>
+        <p:nvSpPr>
+          <p:cNvPr id="13" name="Textfeld 12">
+            <a:extLst>
+              <a:ext uri="{FF2B5EF4-FFF2-40B4-BE49-F238E27FC236}">
+                <a16:creationId xmlns:a16="http://schemas.microsoft.com/office/drawing/2014/main" id="{D9B02A95-799A-49A5-B5BF-FEB8CF38F653}"/>
+              </a:ext>
+            </a:extLst>
+          </p:cNvPr>
+          <p:cNvSpPr txBox="1"/>
+          <p:nvPr/>
+        </p:nvSpPr>
+        <p:spPr>
+          <a:xfrm>
+            <a:off x="4253218" y="1652523"/>
+            <a:ext cx="766557" cy="369332"/>
+          </a:xfrm>
+          <a:prstGeom prst="rect">
+            <a:avLst/>
+          </a:prstGeom>
+          <a:noFill/>
+        </p:spPr>
+        <p:txBody>
+          <a:bodyPr wrap="none" rtlCol="0">
+            <a:spAutoFit/>
+          </a:bodyPr>
+          <a:lstStyle/>
+          <a:p>
+            <a:r>
+              <a:rPr lang="de-DE" dirty="0" err="1"/>
+              <a:t>No</a:t>
+            </a:r>
+            <a:r>
+              <a:rPr lang="de-DE" dirty="0"/>
+              <a:t> (0)</a:t>
+            </a:r>
+            <a:endParaRPr lang="en-GB" dirty="0"/>
+          </a:p>
+        </p:txBody>
+      </p:sp>
+      <p:sp>
+        <p:nvSpPr>
+          <p:cNvPr id="14" name="Rechteck 13">
+            <a:extLst>
+              <a:ext uri="{FF2B5EF4-FFF2-40B4-BE49-F238E27FC236}">
+                <a16:creationId xmlns:a16="http://schemas.microsoft.com/office/drawing/2014/main" id="{D91F7715-769C-4A06-8C74-2FE981298BEB}"/>
+              </a:ext>
+            </a:extLst>
+          </p:cNvPr>
+          <p:cNvSpPr/>
+          <p:nvPr/>
+        </p:nvSpPr>
+        <p:spPr>
+          <a:xfrm>
+            <a:off x="783789" y="2896299"/>
+            <a:ext cx="1770077" cy="1065402"/>
+          </a:xfrm>
+          <a:prstGeom prst="rect">
+            <a:avLst/>
+          </a:prstGeom>
+        </p:spPr>
+        <p:style>
+          <a:lnRef idx="2">
+            <a:schemeClr val="accent2">
+              <a:shade val="50000"/>
+            </a:schemeClr>
+          </a:lnRef>
+          <a:fillRef idx="1">
+            <a:schemeClr val="accent2"/>
+          </a:fillRef>
+          <a:effectRef idx="0">
+            <a:schemeClr val="accent2"/>
+          </a:effectRef>
+          <a:fontRef idx="minor">
+            <a:schemeClr val="lt1"/>
+          </a:fontRef>
+        </p:style>
+        <p:txBody>
+          <a:bodyPr rtlCol="0" anchor="ctr"/>
+          <a:lstStyle/>
+          <a:p>
+            <a:pPr algn="ctr"/>
+            <a:r>
+              <a:rPr lang="de-DE" dirty="0" err="1"/>
+              <a:t>Is</a:t>
+            </a:r>
+            <a:r>
+              <a:rPr lang="de-DE" dirty="0"/>
+              <a:t> </a:t>
+            </a:r>
+            <a:r>
+              <a:rPr lang="de-DE" dirty="0" err="1"/>
+              <a:t>it</a:t>
+            </a:r>
+            <a:r>
+              <a:rPr lang="de-DE" dirty="0"/>
+              <a:t> </a:t>
+            </a:r>
+            <a:r>
+              <a:rPr lang="de-DE" dirty="0" err="1"/>
+              <a:t>cold</a:t>
+            </a:r>
+            <a:r>
+              <a:rPr lang="de-DE" dirty="0"/>
+              <a:t>?</a:t>
+            </a:r>
+            <a:endParaRPr lang="en-GB" dirty="0"/>
+          </a:p>
+        </p:txBody>
+      </p:sp>
+      <p:cxnSp>
+        <p:nvCxnSpPr>
+          <p:cNvPr id="15" name="Verbinder: gewinkelt 14">
+            <a:extLst>
+              <a:ext uri="{FF2B5EF4-FFF2-40B4-BE49-F238E27FC236}">
+                <a16:creationId xmlns:a16="http://schemas.microsoft.com/office/drawing/2014/main" id="{2B264A44-61B9-4494-A14F-C4F39D2765E4}"/>
+              </a:ext>
+            </a:extLst>
+          </p:cNvPr>
+          <p:cNvCxnSpPr>
+            <a:stCxn id="14" idx="3"/>
+          </p:cNvCxnSpPr>
+          <p:nvPr/>
+        </p:nvCxnSpPr>
+        <p:spPr>
+          <a:xfrm flipV="1">
+            <a:off x="2553866" y="2896299"/>
+            <a:ext cx="1669409" cy="532701"/>
+          </a:xfrm>
+          <a:prstGeom prst="bentConnector3">
+            <a:avLst/>
+          </a:prstGeom>
+          <a:ln w="19050">
+            <a:solidFill>
+              <a:srgbClr val="CC4C03"/>
+            </a:solidFill>
+            <a:tailEnd type="triangle"/>
+          </a:ln>
+        </p:spPr>
+        <p:style>
+          <a:lnRef idx="1">
+            <a:schemeClr val="accent1"/>
+          </a:lnRef>
+          <a:fillRef idx="0">
+            <a:schemeClr val="accent1"/>
+          </a:fillRef>
+          <a:effectRef idx="0">
+            <a:schemeClr val="accent1"/>
+          </a:effectRef>
+          <a:fontRef idx="minor">
+            <a:schemeClr val="tx1"/>
+          </a:fontRef>
+        </p:style>
+      </p:cxnSp>
+      <p:cxnSp>
+        <p:nvCxnSpPr>
+          <p:cNvPr id="16" name="Verbinder: gewinkelt 15">
+            <a:extLst>
+              <a:ext uri="{FF2B5EF4-FFF2-40B4-BE49-F238E27FC236}">
+                <a16:creationId xmlns:a16="http://schemas.microsoft.com/office/drawing/2014/main" id="{2ED56C45-FBFB-4CE8-8545-5CE60D15C3F7}"/>
+              </a:ext>
+            </a:extLst>
+          </p:cNvPr>
+          <p:cNvCxnSpPr>
+            <a:cxnSpLocks/>
+            <a:stCxn id="14" idx="3"/>
+          </p:cNvCxnSpPr>
+          <p:nvPr/>
+        </p:nvCxnSpPr>
+        <p:spPr>
+          <a:xfrm>
+            <a:off x="2553866" y="3429000"/>
+            <a:ext cx="1669409" cy="532701"/>
+          </a:xfrm>
+          <a:prstGeom prst="bentConnector3">
+            <a:avLst/>
+          </a:prstGeom>
+          <a:ln w="19050">
+            <a:solidFill>
+              <a:srgbClr val="CC4C03"/>
+            </a:solidFill>
+            <a:tailEnd type="triangle"/>
+          </a:ln>
+        </p:spPr>
+        <p:style>
+          <a:lnRef idx="1">
+            <a:schemeClr val="accent1"/>
+          </a:lnRef>
+          <a:fillRef idx="0">
+            <a:schemeClr val="accent1"/>
+          </a:fillRef>
+          <a:effectRef idx="0">
+            <a:schemeClr val="accent1"/>
+          </a:effectRef>
+          <a:fontRef idx="minor">
+            <a:schemeClr val="tx1"/>
+          </a:fontRef>
+        </p:style>
+      </p:cxnSp>
+      <p:sp>
+        <p:nvSpPr>
+          <p:cNvPr id="17" name="Textfeld 16">
+            <a:extLst>
+              <a:ext uri="{FF2B5EF4-FFF2-40B4-BE49-F238E27FC236}">
+                <a16:creationId xmlns:a16="http://schemas.microsoft.com/office/drawing/2014/main" id="{6549F4D5-CC33-4F7B-B3B0-ADB3043951B1}"/>
+              </a:ext>
+            </a:extLst>
+          </p:cNvPr>
+          <p:cNvSpPr txBox="1"/>
+          <p:nvPr/>
+        </p:nvSpPr>
+        <p:spPr>
+          <a:xfrm>
+            <a:off x="4223275" y="2711633"/>
+            <a:ext cx="1669944" cy="369332"/>
+          </a:xfrm>
+          <a:prstGeom prst="rect">
+            <a:avLst/>
+          </a:prstGeom>
+          <a:noFill/>
+        </p:spPr>
+        <p:txBody>
+          <a:bodyPr wrap="none" rtlCol="0">
+            <a:spAutoFit/>
+          </a:bodyPr>
+          <a:lstStyle/>
+          <a:p>
+            <a:r>
+              <a:rPr lang="de-DE" dirty="0"/>
+              <a:t>Very </a:t>
+            </a:r>
+            <a:r>
+              <a:rPr lang="de-DE" dirty="0" err="1"/>
+              <a:t>much</a:t>
+            </a:r>
+            <a:r>
+              <a:rPr lang="de-DE" dirty="0"/>
+              <a:t> (0.9)</a:t>
+            </a:r>
+            <a:endParaRPr lang="en-GB" dirty="0"/>
+          </a:p>
+        </p:txBody>
+      </p:sp>
+      <p:sp>
+        <p:nvSpPr>
+          <p:cNvPr id="18" name="Textfeld 17">
+            <a:extLst>
+              <a:ext uri="{FF2B5EF4-FFF2-40B4-BE49-F238E27FC236}">
+                <a16:creationId xmlns:a16="http://schemas.microsoft.com/office/drawing/2014/main" id="{E0CCA683-7C29-47A8-963A-107A0EFDA813}"/>
+              </a:ext>
+            </a:extLst>
+          </p:cNvPr>
+          <p:cNvSpPr txBox="1"/>
+          <p:nvPr/>
+        </p:nvSpPr>
+        <p:spPr>
+          <a:xfrm>
+            <a:off x="4223275" y="3777035"/>
+            <a:ext cx="1492012" cy="369332"/>
+          </a:xfrm>
+          <a:prstGeom prst="rect">
+            <a:avLst/>
+          </a:prstGeom>
+          <a:noFill/>
+        </p:spPr>
+        <p:txBody>
+          <a:bodyPr wrap="none" rtlCol="0">
+            <a:spAutoFit/>
+          </a:bodyPr>
+          <a:lstStyle/>
+          <a:p>
+            <a:r>
+              <a:rPr lang="de-DE" dirty="0"/>
+              <a:t>Very </a:t>
+            </a:r>
+            <a:r>
+              <a:rPr lang="de-DE" dirty="0" err="1"/>
+              <a:t>less</a:t>
+            </a:r>
+            <a:r>
+              <a:rPr lang="de-DE" dirty="0"/>
+              <a:t> (0.1)</a:t>
+            </a:r>
+            <a:endParaRPr lang="en-GB" dirty="0"/>
+          </a:p>
+        </p:txBody>
+      </p:sp>
+      <p:cxnSp>
+        <p:nvCxnSpPr>
+          <p:cNvPr id="23" name="Gerade Verbindung mit Pfeil 22">
+            <a:extLst>
+              <a:ext uri="{FF2B5EF4-FFF2-40B4-BE49-F238E27FC236}">
+                <a16:creationId xmlns:a16="http://schemas.microsoft.com/office/drawing/2014/main" id="{E9142150-1A58-43FD-A380-52E942D08AC1}"/>
+              </a:ext>
+            </a:extLst>
+          </p:cNvPr>
+          <p:cNvCxnSpPr>
+            <a:stCxn id="14" idx="3"/>
+          </p:cNvCxnSpPr>
+          <p:nvPr/>
+        </p:nvCxnSpPr>
+        <p:spPr>
+          <a:xfrm>
+            <a:off x="2553866" y="3429000"/>
+            <a:ext cx="1669409" cy="0"/>
+          </a:xfrm>
+          <a:prstGeom prst="straightConnector1">
+            <a:avLst/>
+          </a:prstGeom>
+          <a:ln w="19050">
+            <a:solidFill>
+              <a:srgbClr val="CC4C03"/>
+            </a:solidFill>
+            <a:tailEnd type="triangle"/>
+          </a:ln>
+        </p:spPr>
+        <p:style>
+          <a:lnRef idx="1">
+            <a:schemeClr val="accent1"/>
+          </a:lnRef>
+          <a:fillRef idx="0">
+            <a:schemeClr val="accent1"/>
+          </a:fillRef>
+          <a:effectRef idx="0">
+            <a:schemeClr val="accent1"/>
+          </a:effectRef>
+          <a:fontRef idx="minor">
+            <a:schemeClr val="tx1"/>
+          </a:fontRef>
+        </p:style>
+      </p:cxnSp>
+      <p:sp>
+        <p:nvSpPr>
+          <p:cNvPr id="24" name="Textfeld 23">
+            <a:extLst>
+              <a:ext uri="{FF2B5EF4-FFF2-40B4-BE49-F238E27FC236}">
+                <a16:creationId xmlns:a16="http://schemas.microsoft.com/office/drawing/2014/main" id="{23BCA96E-C587-4788-9FC3-D8CE52A8E820}"/>
+              </a:ext>
+            </a:extLst>
+          </p:cNvPr>
+          <p:cNvSpPr txBox="1"/>
+          <p:nvPr/>
+        </p:nvSpPr>
+        <p:spPr>
+          <a:xfrm>
+            <a:off x="4223275" y="3244333"/>
+            <a:ext cx="1257011" cy="369332"/>
+          </a:xfrm>
+          <a:prstGeom prst="rect">
+            <a:avLst/>
+          </a:prstGeom>
+          <a:noFill/>
+        </p:spPr>
+        <p:txBody>
+          <a:bodyPr wrap="none" rtlCol="0">
+            <a:spAutoFit/>
+          </a:bodyPr>
+          <a:lstStyle/>
+          <a:p>
+            <a:r>
+              <a:rPr lang="de-DE" dirty="0"/>
+              <a:t>Little (0.25)</a:t>
+            </a:r>
+            <a:endParaRPr lang="en-GB" dirty="0"/>
+          </a:p>
+        </p:txBody>
+      </p:sp>
+    </p:spTree>
+    <p:extLst>
+      <p:ext uri="{BB962C8B-B14F-4D97-AF65-F5344CB8AC3E}">
+        <p14:creationId xmlns:p14="http://schemas.microsoft.com/office/powerpoint/2010/main" val="1069945378"/>
       </p:ext>
     </p:extLst>
   </p:cSld>
